--- a/Praesentation/WE-Präsentation1-18_05_18.pptx
+++ b/Praesentation/WE-Präsentation1-18_05_18.pptx
@@ -5,21 +5,22 @@
     <p:sldMasterId id="2147483648" r:id="rId1"/>
   </p:sldMasterIdLst>
   <p:notesMasterIdLst>
-    <p:notesMasterId r:id="rId11"/>
+    <p:notesMasterId r:id="rId12"/>
   </p:notesMasterIdLst>
   <p:handoutMasterIdLst>
-    <p:handoutMasterId r:id="rId12"/>
+    <p:handoutMasterId r:id="rId13"/>
   </p:handoutMasterIdLst>
   <p:sldIdLst>
     <p:sldId id="256" r:id="rId2"/>
     <p:sldId id="267" r:id="rId3"/>
     <p:sldId id="268" r:id="rId4"/>
-    <p:sldId id="260" r:id="rId5"/>
-    <p:sldId id="273" r:id="rId6"/>
-    <p:sldId id="276" r:id="rId7"/>
-    <p:sldId id="277" r:id="rId8"/>
-    <p:sldId id="278" r:id="rId9"/>
-    <p:sldId id="280" r:id="rId10"/>
+    <p:sldId id="281" r:id="rId5"/>
+    <p:sldId id="260" r:id="rId6"/>
+    <p:sldId id="273" r:id="rId7"/>
+    <p:sldId id="276" r:id="rId8"/>
+    <p:sldId id="277" r:id="rId9"/>
+    <p:sldId id="278" r:id="rId10"/>
+    <p:sldId id="280" r:id="rId11"/>
   </p:sldIdLst>
   <p:sldSz cx="12188825" cy="6858000"/>
   <p:notesSz cx="6858000" cy="9144000"/>
@@ -240,7 +241,7 @@
             <a:pPr rtl="0"/>
             <a:fld id="{60DD6774-CEAF-48E4-A5C8-52E9FD93D062}" type="datetime1">
               <a:rPr lang="de-DE" smtClean="0"/>
-              <a:t>13.05.2018</a:t>
+              <a:t>17.05.2018</a:t>
             </a:fld>
             <a:endParaRPr lang="de-DE" dirty="0"/>
           </a:p>
@@ -418,7 +419,7 @@
             <a:pPr rtl="0"/>
             <a:fld id="{B854CD51-C2EF-42C8-A86D-CF8C16A6F6DD}" type="datetime1">
               <a:rPr lang="de-DE" smtClean="0"/>
-              <a:t>13.05.2018</a:t>
+              <a:t>17.05.2018</a:t>
             </a:fld>
             <a:endParaRPr lang="de-DE" dirty="0"/>
           </a:p>
@@ -784,6 +785,92 @@
 </p:notes>
 </file>
 
+<file path=ppt/notesSlides/notesSlide10.xml><?xml version="1.0" encoding="utf-8"?>
+<p:notes xmlns:a="http://schemas.openxmlformats.org/drawingml/2006/main" xmlns:r="http://schemas.openxmlformats.org/officeDocument/2006/relationships" xmlns:p="http://schemas.openxmlformats.org/presentationml/2006/main">
+  <p:cSld>
+    <p:spTree>
+      <p:nvGrpSpPr>
+        <p:cNvPr id="1" name=""/>
+        <p:cNvGrpSpPr/>
+        <p:nvPr/>
+      </p:nvGrpSpPr>
+      <p:grpSpPr>
+        <a:xfrm>
+          <a:off x="0" y="0"/>
+          <a:ext cx="0" cy="0"/>
+          <a:chOff x="0" y="0"/>
+          <a:chExt cx="0" cy="0"/>
+        </a:xfrm>
+      </p:grpSpPr>
+      <p:sp>
+        <p:nvSpPr>
+          <p:cNvPr id="2" name="Folienbildplatzhalter 1"/>
+          <p:cNvSpPr>
+            <a:spLocks noGrp="1" noRot="1" noChangeAspect="1"/>
+          </p:cNvSpPr>
+          <p:nvPr>
+            <p:ph type="sldImg"/>
+          </p:nvPr>
+        </p:nvSpPr>
+        <p:spPr/>
+      </p:sp>
+      <p:sp>
+        <p:nvSpPr>
+          <p:cNvPr id="3" name="Notizenplatzhalter 2"/>
+          <p:cNvSpPr>
+            <a:spLocks noGrp="1"/>
+          </p:cNvSpPr>
+          <p:nvPr>
+            <p:ph type="body" idx="1"/>
+          </p:nvPr>
+        </p:nvSpPr>
+        <p:spPr/>
+        <p:txBody>
+          <a:bodyPr/>
+          <a:lstStyle/>
+          <a:p>
+            <a:endParaRPr lang="de-DE"/>
+          </a:p>
+        </p:txBody>
+      </p:sp>
+      <p:sp>
+        <p:nvSpPr>
+          <p:cNvPr id="4" name="Foliennummernplatzhalter 3"/>
+          <p:cNvSpPr>
+            <a:spLocks noGrp="1"/>
+          </p:cNvSpPr>
+          <p:nvPr>
+            <p:ph type="sldNum" sz="quarter" idx="10"/>
+          </p:nvPr>
+        </p:nvSpPr>
+        <p:spPr/>
+        <p:txBody>
+          <a:bodyPr/>
+          <a:lstStyle/>
+          <a:p>
+            <a:pPr rtl="0"/>
+            <a:fld id="{841221E5-7225-48EB-A4EE-420E7BFCF705}" type="slidenum">
+              <a:rPr lang="de-DE" smtClean="0"/>
+              <a:pPr rtl="0"/>
+              <a:t>10</a:t>
+            </a:fld>
+            <a:endParaRPr lang="de-DE" dirty="0"/>
+          </a:p>
+        </p:txBody>
+      </p:sp>
+    </p:spTree>
+    <p:extLst>
+      <p:ext uri="{BB962C8B-B14F-4D97-AF65-F5344CB8AC3E}">
+        <p14:creationId xmlns:p14="http://schemas.microsoft.com/office/powerpoint/2010/main" val="2443621155"/>
+      </p:ext>
+    </p:extLst>
+  </p:cSld>
+  <p:clrMapOvr>
+    <a:masterClrMapping/>
+  </p:clrMapOvr>
+</p:notes>
+</file>
+
 <file path=ppt/notesSlides/notesSlide2.xml><?xml version="1.0" encoding="utf-8"?>
 <p:notes xmlns:a="http://schemas.openxmlformats.org/drawingml/2006/main" xmlns:r="http://schemas.openxmlformats.org/officeDocument/2006/relationships" xmlns:p="http://schemas.openxmlformats.org/presentationml/2006/main">
   <p:cSld>
@@ -1032,7 +1119,7 @@
     </p:spTree>
     <p:extLst>
       <p:ext uri="{BB962C8B-B14F-4D97-AF65-F5344CB8AC3E}">
-        <p14:creationId xmlns:p14="http://schemas.microsoft.com/office/powerpoint/2010/main" val="587562875"/>
+        <p14:creationId xmlns:p14="http://schemas.microsoft.com/office/powerpoint/2010/main" val="3291280524"/>
       </p:ext>
     </p:extLst>
   </p:cSld>
@@ -1118,7 +1205,7 @@
     </p:spTree>
     <p:extLst>
       <p:ext uri="{BB962C8B-B14F-4D97-AF65-F5344CB8AC3E}">
-        <p14:creationId xmlns:p14="http://schemas.microsoft.com/office/powerpoint/2010/main" val="1616163081"/>
+        <p14:creationId xmlns:p14="http://schemas.microsoft.com/office/powerpoint/2010/main" val="587562875"/>
       </p:ext>
     </p:extLst>
   </p:cSld>
@@ -1204,7 +1291,7 @@
     </p:spTree>
     <p:extLst>
       <p:ext uri="{BB962C8B-B14F-4D97-AF65-F5344CB8AC3E}">
-        <p14:creationId xmlns:p14="http://schemas.microsoft.com/office/powerpoint/2010/main" val="1980051076"/>
+        <p14:creationId xmlns:p14="http://schemas.microsoft.com/office/powerpoint/2010/main" val="1616163081"/>
       </p:ext>
     </p:extLst>
   </p:cSld>
@@ -1290,7 +1377,7 @@
     </p:spTree>
     <p:extLst>
       <p:ext uri="{BB962C8B-B14F-4D97-AF65-F5344CB8AC3E}">
-        <p14:creationId xmlns:p14="http://schemas.microsoft.com/office/powerpoint/2010/main" val="1129624105"/>
+        <p14:creationId xmlns:p14="http://schemas.microsoft.com/office/powerpoint/2010/main" val="1980051076"/>
       </p:ext>
     </p:extLst>
   </p:cSld>
@@ -1376,7 +1463,7 @@
     </p:spTree>
     <p:extLst>
       <p:ext uri="{BB962C8B-B14F-4D97-AF65-F5344CB8AC3E}">
-        <p14:creationId xmlns:p14="http://schemas.microsoft.com/office/powerpoint/2010/main" val="369740155"/>
+        <p14:creationId xmlns:p14="http://schemas.microsoft.com/office/powerpoint/2010/main" val="1129624105"/>
       </p:ext>
     </p:extLst>
   </p:cSld>
@@ -1462,7 +1549,7 @@
     </p:spTree>
     <p:extLst>
       <p:ext uri="{BB962C8B-B14F-4D97-AF65-F5344CB8AC3E}">
-        <p14:creationId xmlns:p14="http://schemas.microsoft.com/office/powerpoint/2010/main" val="2443621155"/>
+        <p14:creationId xmlns:p14="http://schemas.microsoft.com/office/powerpoint/2010/main" val="369740155"/>
       </p:ext>
     </p:extLst>
   </p:cSld>
@@ -2018,7 +2105,7 @@
             <a:pPr rtl="0"/>
             <a:fld id="{6E44BE0F-8F18-4F71-95AB-AE12FD4E9675}" type="datetime1">
               <a:rPr lang="de-DE" smtClean="0"/>
-              <a:t>13.05.2018</a:t>
+              <a:t>17.05.2018</a:t>
             </a:fld>
             <a:endParaRPr lang="de-DE" dirty="0"/>
           </a:p>
@@ -2284,7 +2371,7 @@
             <a:pPr rtl="0"/>
             <a:fld id="{8AC3DE58-3E7A-486C-BA6E-F1E215564615}" type="datetime1">
               <a:rPr lang="de-DE" smtClean="0"/>
-              <a:t>13.05.2018</a:t>
+              <a:t>17.05.2018</a:t>
             </a:fld>
             <a:endParaRPr lang="de-DE" dirty="0"/>
           </a:p>
@@ -3111,7 +3198,7 @@
             <a:pPr rtl="0"/>
             <a:fld id="{58E141D3-04B3-43DC-AEC4-AC5CB10E6B66}" type="datetime1">
               <a:rPr lang="de-DE" smtClean="0"/>
-              <a:t>13.05.2018</a:t>
+              <a:t>17.05.2018</a:t>
             </a:fld>
             <a:endParaRPr lang="de-DE" dirty="0"/>
           </a:p>
@@ -3318,7 +3405,7 @@
             <a:pPr rtl="0"/>
             <a:fld id="{B2AD117A-3E3B-4176-BCE9-96B1813874C0}" type="datetime1">
               <a:rPr lang="de-DE" smtClean="0"/>
-              <a:t>13.05.2018</a:t>
+              <a:t>17.05.2018</a:t>
             </a:fld>
             <a:endParaRPr lang="de-DE" dirty="0"/>
           </a:p>
@@ -4591,7 +4678,7 @@
             <a:pPr rtl="0"/>
             <a:fld id="{1579F228-D85F-4B24-A47B-7770BADDC5F2}" type="datetime1">
               <a:rPr lang="de-DE" smtClean="0"/>
-              <a:t>13.05.2018</a:t>
+              <a:t>17.05.2018</a:t>
             </a:fld>
             <a:endParaRPr lang="de-DE" dirty="0"/>
           </a:p>
@@ -4920,7 +5007,7 @@
             <a:pPr rtl="0"/>
             <a:fld id="{B2248A37-FE0E-454E-B27B-E549E3228350}" type="datetime1">
               <a:rPr lang="de-DE" smtClean="0"/>
-              <a:t>13.05.2018</a:t>
+              <a:t>17.05.2018</a:t>
             </a:fld>
             <a:endParaRPr lang="de-DE" dirty="0"/>
           </a:p>
@@ -5375,7 +5462,7 @@
             <a:pPr rtl="0"/>
             <a:fld id="{F05DB94E-B109-474B-8474-AEB996F9687B}" type="datetime1">
               <a:rPr lang="de-DE" smtClean="0"/>
-              <a:t>13.05.2018</a:t>
+              <a:t>17.05.2018</a:t>
             </a:fld>
             <a:endParaRPr lang="de-DE" dirty="0"/>
           </a:p>
@@ -5512,7 +5599,7 @@
             <a:pPr rtl="0"/>
             <a:fld id="{7AD1CC3B-A920-4355-B612-7A0B9F23E2EF}" type="datetime1">
               <a:rPr lang="de-DE" smtClean="0"/>
-              <a:t>13.05.2018</a:t>
+              <a:t>17.05.2018</a:t>
             </a:fld>
             <a:endParaRPr lang="de-DE" dirty="0"/>
           </a:p>
@@ -5854,7 +5941,7 @@
             <a:pPr rtl="0"/>
             <a:fld id="{8E4210FB-5B91-4276-8351-76159F2A568F}" type="datetime1">
               <a:rPr lang="de-DE" smtClean="0"/>
-              <a:t>13.05.2018</a:t>
+              <a:t>17.05.2018</a:t>
             </a:fld>
             <a:endParaRPr lang="de-DE" dirty="0"/>
           </a:p>
@@ -6353,7 +6440,7 @@
             <a:pPr rtl="0"/>
             <a:fld id="{C69F3E3C-D373-448E-8511-5247131C3982}" type="datetime1">
               <a:rPr lang="de-DE" smtClean="0"/>
-              <a:t>13.05.2018</a:t>
+              <a:t>17.05.2018</a:t>
             </a:fld>
             <a:endParaRPr lang="de-DE" dirty="0"/>
           </a:p>
@@ -6808,7 +6895,7 @@
             <a:pPr rtl="0"/>
             <a:fld id="{63C5693E-628F-492B-8838-B891C3174DC0}" type="datetime1">
               <a:rPr lang="de-DE" smtClean="0"/>
-              <a:t>13.05.2018</a:t>
+              <a:t>17.05.2018</a:t>
             </a:fld>
             <a:endParaRPr lang="de-DE" dirty="0"/>
           </a:p>
@@ -7339,7 +7426,7 @@
             <a:pPr rtl="0"/>
             <a:fld id="{7BECB089-6F7D-4943-8BDE-DB47A7740CA7}" type="datetime1">
               <a:rPr lang="de-DE" smtClean="0"/>
-              <a:t>13.05.2018</a:t>
+              <a:t>17.05.2018</a:t>
             </a:fld>
             <a:endParaRPr lang="de-DE" dirty="0"/>
           </a:p>
@@ -7915,6 +8002,205 @@
 </p:sld>
 </file>
 
+<file path=ppt/slides/slide10.xml><?xml version="1.0" encoding="utf-8"?>
+<p:sld xmlns:a="http://schemas.openxmlformats.org/drawingml/2006/main" xmlns:r="http://schemas.openxmlformats.org/officeDocument/2006/relationships" xmlns:p="http://schemas.openxmlformats.org/presentationml/2006/main">
+  <p:cSld>
+    <p:spTree>
+      <p:nvGrpSpPr>
+        <p:cNvPr id="1" name=""/>
+        <p:cNvGrpSpPr/>
+        <p:nvPr/>
+      </p:nvGrpSpPr>
+      <p:grpSpPr>
+        <a:xfrm>
+          <a:off x="0" y="0"/>
+          <a:ext cx="0" cy="0"/>
+          <a:chOff x="0" y="0"/>
+          <a:chExt cx="0" cy="0"/>
+        </a:xfrm>
+      </p:grpSpPr>
+      <p:sp>
+        <p:nvSpPr>
+          <p:cNvPr id="13" name="Titel 12"/>
+          <p:cNvSpPr>
+            <a:spLocks noGrp="1"/>
+          </p:cNvSpPr>
+          <p:nvPr>
+            <p:ph type="title"/>
+          </p:nvPr>
+        </p:nvSpPr>
+        <p:spPr/>
+        <p:txBody>
+          <a:bodyPr rtlCol="0">
+            <a:normAutofit/>
+          </a:bodyPr>
+          <a:lstStyle/>
+          <a:p>
+            <a:pPr rtl="0"/>
+            <a:r>
+              <a:rPr lang="de-DE" sz="4000" dirty="0"/>
+              <a:t>Ausblick</a:t>
+            </a:r>
+          </a:p>
+        </p:txBody>
+      </p:sp>
+      <p:sp>
+        <p:nvSpPr>
+          <p:cNvPr id="14" name="Inhaltsplatzhalter 13"/>
+          <p:cNvSpPr>
+            <a:spLocks noGrp="1"/>
+          </p:cNvSpPr>
+          <p:nvPr>
+            <p:ph idx="1"/>
+          </p:nvPr>
+        </p:nvSpPr>
+        <p:spPr/>
+        <p:txBody>
+          <a:bodyPr rtlCol="0">
+            <a:normAutofit/>
+          </a:bodyPr>
+          <a:lstStyle/>
+          <a:p>
+            <a:pPr rtl="0"/>
+            <a:r>
+              <a:rPr lang="de-DE" sz="3200" dirty="0"/>
+              <a:t>Funktionalitäten implementieren</a:t>
+            </a:r>
+          </a:p>
+          <a:p>
+            <a:pPr rtl="0"/>
+            <a:r>
+              <a:rPr lang="de-DE" sz="3200" dirty="0"/>
+              <a:t>Entwicklung einer Datenbank- /Serveranbindung zur Verwaltung der Rankingdaten (Amazon AWS s3? Cassandra?)</a:t>
+            </a:r>
+          </a:p>
+          <a:p>
+            <a:r>
+              <a:rPr lang="de-DE" sz="3200" dirty="0"/>
+              <a:t>Berechnungen sind nicht trivial und etwas ungenau</a:t>
+            </a:r>
+          </a:p>
+          <a:p>
+            <a:pPr rtl="0"/>
+            <a:endParaRPr lang="de-DE" sz="3200" dirty="0"/>
+          </a:p>
+        </p:txBody>
+      </p:sp>
+      <p:sp>
+        <p:nvSpPr>
+          <p:cNvPr id="2" name="Datumsplatzhalter 1">
+            <a:extLst>
+              <a:ext uri="{FF2B5EF4-FFF2-40B4-BE49-F238E27FC236}">
+                <a16:creationId xmlns:a16="http://schemas.microsoft.com/office/drawing/2014/main" id="{0D47D8D1-78B1-4B22-A244-CF39A052D19A}"/>
+              </a:ext>
+            </a:extLst>
+          </p:cNvPr>
+          <p:cNvSpPr>
+            <a:spLocks noGrp="1"/>
+          </p:cNvSpPr>
+          <p:nvPr>
+            <p:ph type="dt" sz="half" idx="10"/>
+          </p:nvPr>
+        </p:nvSpPr>
+        <p:spPr/>
+        <p:txBody>
+          <a:bodyPr/>
+          <a:lstStyle/>
+          <a:p>
+            <a:pPr rtl="0"/>
+            <a:fld id="{D15F71AD-4475-4056-AE63-985A25DEE686}" type="datetime1">
+              <a:rPr lang="de-DE" smtClean="0"/>
+              <a:t>17.05.2018</a:t>
+            </a:fld>
+            <a:endParaRPr lang="de-DE" dirty="0"/>
+          </a:p>
+        </p:txBody>
+      </p:sp>
+      <p:sp>
+        <p:nvSpPr>
+          <p:cNvPr id="3" name="Fußzeilenplatzhalter 2">
+            <a:extLst>
+              <a:ext uri="{FF2B5EF4-FFF2-40B4-BE49-F238E27FC236}">
+                <a16:creationId xmlns:a16="http://schemas.microsoft.com/office/drawing/2014/main" id="{8C0609FF-7A4F-4F4A-B788-A2716FC8AD40}"/>
+              </a:ext>
+            </a:extLst>
+          </p:cNvPr>
+          <p:cNvSpPr>
+            <a:spLocks noGrp="1"/>
+          </p:cNvSpPr>
+          <p:nvPr>
+            <p:ph type="ftr" sz="quarter" idx="11"/>
+          </p:nvPr>
+        </p:nvSpPr>
+        <p:spPr/>
+        <p:txBody>
+          <a:bodyPr/>
+          <a:lstStyle/>
+          <a:p>
+            <a:pPr rtl="0"/>
+            <a:r>
+              <a:rPr lang="de-DE"/>
+              <a:t>Präsentation 1                Web-Engineering</a:t>
+            </a:r>
+            <a:endParaRPr lang="de-DE" dirty="0"/>
+          </a:p>
+        </p:txBody>
+      </p:sp>
+      <p:sp>
+        <p:nvSpPr>
+          <p:cNvPr id="4" name="Foliennummernplatzhalter 3">
+            <a:extLst>
+              <a:ext uri="{FF2B5EF4-FFF2-40B4-BE49-F238E27FC236}">
+                <a16:creationId xmlns:a16="http://schemas.microsoft.com/office/drawing/2014/main" id="{E49686E0-CA64-4EBC-B26E-6BAB06D9338A}"/>
+              </a:ext>
+            </a:extLst>
+          </p:cNvPr>
+          <p:cNvSpPr>
+            <a:spLocks noGrp="1"/>
+          </p:cNvSpPr>
+          <p:nvPr>
+            <p:ph type="sldNum" sz="quarter" idx="12"/>
+          </p:nvPr>
+        </p:nvSpPr>
+        <p:spPr/>
+        <p:txBody>
+          <a:bodyPr/>
+          <a:lstStyle/>
+          <a:p>
+            <a:pPr rtl="0"/>
+            <a:fld id="{7DC1BBB0-96F0-4077-A278-0F3FB5C104D3}" type="slidenum">
+              <a:rPr lang="de-DE" smtClean="0"/>
+              <a:t>10</a:t>
+            </a:fld>
+            <a:endParaRPr lang="de-DE" dirty="0"/>
+          </a:p>
+        </p:txBody>
+      </p:sp>
+    </p:spTree>
+    <p:extLst>
+      <p:ext uri="{BB962C8B-B14F-4D97-AF65-F5344CB8AC3E}">
+        <p14:creationId xmlns:p14="http://schemas.microsoft.com/office/powerpoint/2010/main" val="3464196621"/>
+      </p:ext>
+    </p:extLst>
+  </p:cSld>
+  <p:clrMapOvr>
+    <a:masterClrMapping/>
+  </p:clrMapOvr>
+  <mc:AlternateContent xmlns:mc="http://schemas.openxmlformats.org/markup-compatibility/2006" xmlns:p14="http://schemas.microsoft.com/office/powerpoint/2010/main">
+    <mc:Choice Requires="p14">
+      <p:transition spd="med" p14:dur="700">
+        <p:fade/>
+      </p:transition>
+    </mc:Choice>
+    <mc:Fallback xmlns="">
+      <p:transition spd="med">
+        <p:fade/>
+      </p:transition>
+    </mc:Fallback>
+  </mc:AlternateContent>
+</p:sld>
+</file>
+
 <file path=ppt/slides/slide2.xml><?xml version="1.0" encoding="utf-8"?>
 <p:sld xmlns:a="http://schemas.openxmlformats.org/drawingml/2006/main" xmlns:r="http://schemas.openxmlformats.org/officeDocument/2006/relationships" xmlns:p="http://schemas.openxmlformats.org/presentationml/2006/main">
   <p:cSld>
@@ -8061,7 +8347,7 @@
             <a:pPr rtl="0"/>
             <a:fld id="{14E31787-EBE1-4D6C-A3EF-22FCA300AA0C}" type="datetime1">
               <a:rPr lang="de-DE" smtClean="0"/>
-              <a:t>13.05.2018</a:t>
+              <a:t>17.05.2018</a:t>
             </a:fld>
             <a:endParaRPr lang="de-DE" dirty="0"/>
           </a:p>
@@ -8805,8 +9091,8 @@
         </p:blipFill>
         <p:spPr>
           <a:xfrm>
-            <a:off x="1689420" y="2406446"/>
-            <a:ext cx="5080660" cy="3393882"/>
+            <a:off x="3414619" y="1966965"/>
+            <a:ext cx="6090190" cy="4068248"/>
           </a:xfrm>
           <a:prstGeom prst="rect">
             <a:avLst/>
@@ -9011,10 +9297,10 @@
       </p:sp>
       <p:sp>
         <p:nvSpPr>
-          <p:cNvPr id="16" name="Inhaltsplatzhalter 2">
+          <p:cNvPr id="20" name="Textplatzhalter 5">
             <a:extLst>
               <a:ext uri="{FF2B5EF4-FFF2-40B4-BE49-F238E27FC236}">
-                <a16:creationId xmlns:a16="http://schemas.microsoft.com/office/drawing/2014/main" id="{E5CE49BD-2E9C-4CAC-B02C-64DFAC5BF01F}"/>
+                <a16:creationId xmlns:a16="http://schemas.microsoft.com/office/drawing/2014/main" id="{1DCB1ADD-D473-4023-8EB3-72DD80FC0114}"/>
               </a:ext>
             </a:extLst>
           </p:cNvPr>
@@ -9025,8 +9311,364 @@
         </p:nvSpPr>
         <p:spPr>
           <a:xfrm>
-            <a:off x="6351056" y="5961446"/>
-            <a:ext cx="5266856" cy="576064"/>
+            <a:off x="1593371" y="1883507"/>
+            <a:ext cx="9589219" cy="554987"/>
+          </a:xfrm>
+          <a:prstGeom prst="rect">
+            <a:avLst/>
+          </a:prstGeom>
+        </p:spPr>
+        <p:txBody>
+          <a:bodyPr rtlCol="0"/>
+          <a:lstStyle>
+            <a:lvl1pPr marL="246888" indent="-246888" algn="l" defTabSz="914400" rtl="0" eaLnBrk="1" latinLnBrk="0" hangingPunct="1">
+              <a:lnSpc>
+                <a:spcPct val="90000"/>
+              </a:lnSpc>
+              <a:spcBef>
+                <a:spcPts val="1400"/>
+              </a:spcBef>
+              <a:buFont typeface="Euphemia" pitchFamily="34" charset="0"/>
+              <a:buChar char="›"/>
+              <a:defRPr sz="2800" kern="1200">
+                <a:solidFill>
+                  <a:schemeClr val="tx1"/>
+                </a:solidFill>
+                <a:latin typeface="+mn-lt"/>
+                <a:ea typeface="+mn-ea"/>
+                <a:cs typeface="+mn-cs"/>
+              </a:defRPr>
+            </a:lvl1pPr>
+            <a:lvl2pPr marL="612648" indent="-246888" algn="l" defTabSz="914400" rtl="0" eaLnBrk="1" latinLnBrk="0" hangingPunct="1">
+              <a:lnSpc>
+                <a:spcPct val="90000"/>
+              </a:lnSpc>
+              <a:spcBef>
+                <a:spcPts val="600"/>
+              </a:spcBef>
+              <a:buFont typeface="Euphemia" pitchFamily="34" charset="0"/>
+              <a:buChar char="–"/>
+              <a:defRPr sz="2400" kern="1200">
+                <a:solidFill>
+                  <a:schemeClr val="tx1"/>
+                </a:solidFill>
+                <a:latin typeface="+mn-lt"/>
+                <a:ea typeface="+mn-ea"/>
+                <a:cs typeface="+mn-cs"/>
+              </a:defRPr>
+            </a:lvl2pPr>
+            <a:lvl3pPr marL="978408" indent="-246888" algn="l" defTabSz="914400" rtl="0" eaLnBrk="1" latinLnBrk="0" hangingPunct="1">
+              <a:lnSpc>
+                <a:spcPct val="90000"/>
+              </a:lnSpc>
+              <a:spcBef>
+                <a:spcPts val="600"/>
+              </a:spcBef>
+              <a:buFont typeface="Euphemia" pitchFamily="34" charset="0"/>
+              <a:buChar char="›"/>
+              <a:defRPr sz="2000" kern="1200">
+                <a:solidFill>
+                  <a:schemeClr val="tx1"/>
+                </a:solidFill>
+                <a:latin typeface="+mn-lt"/>
+                <a:ea typeface="+mn-ea"/>
+                <a:cs typeface="+mn-cs"/>
+              </a:defRPr>
+            </a:lvl3pPr>
+            <a:lvl4pPr marL="1344168" indent="-246888" algn="l" defTabSz="914400" rtl="0" eaLnBrk="1" latinLnBrk="0" hangingPunct="1">
+              <a:lnSpc>
+                <a:spcPct val="90000"/>
+              </a:lnSpc>
+              <a:spcBef>
+                <a:spcPts val="600"/>
+              </a:spcBef>
+              <a:buFont typeface="Arial" pitchFamily="34" charset="0"/>
+              <a:buChar char="–"/>
+              <a:defRPr sz="1800" kern="1200">
+                <a:solidFill>
+                  <a:schemeClr val="tx1"/>
+                </a:solidFill>
+                <a:latin typeface="+mn-lt"/>
+                <a:ea typeface="+mn-ea"/>
+                <a:cs typeface="+mn-cs"/>
+              </a:defRPr>
+            </a:lvl4pPr>
+            <a:lvl5pPr marL="1709928" indent="-246888" algn="l" defTabSz="914400" rtl="0" eaLnBrk="1" latinLnBrk="0" hangingPunct="1">
+              <a:lnSpc>
+                <a:spcPct val="90000"/>
+              </a:lnSpc>
+              <a:spcBef>
+                <a:spcPts val="600"/>
+              </a:spcBef>
+              <a:buFont typeface="Euphemia" pitchFamily="34" charset="0"/>
+              <a:buChar char="›"/>
+              <a:defRPr sz="1800" kern="1200">
+                <a:solidFill>
+                  <a:schemeClr val="tx1"/>
+                </a:solidFill>
+                <a:latin typeface="+mn-lt"/>
+                <a:ea typeface="+mn-ea"/>
+                <a:cs typeface="+mn-cs"/>
+              </a:defRPr>
+            </a:lvl5pPr>
+            <a:lvl6pPr marL="2075688" indent="-246888" algn="l" defTabSz="914400" rtl="0" eaLnBrk="1" latinLnBrk="0" hangingPunct="1">
+              <a:lnSpc>
+                <a:spcPct val="90000"/>
+              </a:lnSpc>
+              <a:spcBef>
+                <a:spcPts val="600"/>
+              </a:spcBef>
+              <a:buFont typeface="Euphemia" pitchFamily="34" charset="0"/>
+              <a:buChar char="–"/>
+              <a:defRPr sz="1800" kern="1200">
+                <a:solidFill>
+                  <a:schemeClr val="tx1"/>
+                </a:solidFill>
+                <a:latin typeface="+mn-lt"/>
+                <a:ea typeface="+mn-ea"/>
+                <a:cs typeface="+mn-cs"/>
+              </a:defRPr>
+            </a:lvl6pPr>
+            <a:lvl7pPr marL="2441448" indent="-246888" algn="l" defTabSz="914400" rtl="0" eaLnBrk="1" latinLnBrk="0" hangingPunct="1">
+              <a:lnSpc>
+                <a:spcPct val="90000"/>
+              </a:lnSpc>
+              <a:spcBef>
+                <a:spcPts val="600"/>
+              </a:spcBef>
+              <a:buFont typeface="Euphemia" pitchFamily="34" charset="0"/>
+              <a:buChar char="›"/>
+              <a:defRPr sz="1800" kern="1200">
+                <a:solidFill>
+                  <a:schemeClr val="tx1"/>
+                </a:solidFill>
+                <a:latin typeface="+mn-lt"/>
+                <a:ea typeface="+mn-ea"/>
+                <a:cs typeface="+mn-cs"/>
+              </a:defRPr>
+            </a:lvl7pPr>
+            <a:lvl8pPr marL="2807208" indent="-246888" algn="l" defTabSz="914400" rtl="0" eaLnBrk="1" latinLnBrk="0" hangingPunct="1">
+              <a:lnSpc>
+                <a:spcPct val="90000"/>
+              </a:lnSpc>
+              <a:spcBef>
+                <a:spcPts val="600"/>
+              </a:spcBef>
+              <a:buFont typeface="Euphemia" pitchFamily="34" charset="0"/>
+              <a:buChar char="–"/>
+              <a:defRPr sz="1800" kern="1200" baseline="0">
+                <a:solidFill>
+                  <a:schemeClr val="tx1"/>
+                </a:solidFill>
+                <a:latin typeface="+mn-lt"/>
+                <a:ea typeface="+mn-ea"/>
+                <a:cs typeface="+mn-cs"/>
+              </a:defRPr>
+            </a:lvl8pPr>
+            <a:lvl9pPr marL="3172968" indent="-246888" algn="l" defTabSz="914400" rtl="0" eaLnBrk="1" latinLnBrk="0" hangingPunct="1">
+              <a:lnSpc>
+                <a:spcPct val="90000"/>
+              </a:lnSpc>
+              <a:spcBef>
+                <a:spcPts val="600"/>
+              </a:spcBef>
+              <a:buFont typeface="Euphemia" pitchFamily="34" charset="0"/>
+              <a:buChar char="›"/>
+              <a:defRPr sz="1800" kern="1200" baseline="0">
+                <a:solidFill>
+                  <a:schemeClr val="tx1"/>
+                </a:solidFill>
+                <a:latin typeface="+mn-lt"/>
+                <a:ea typeface="+mn-ea"/>
+                <a:cs typeface="+mn-cs"/>
+              </a:defRPr>
+            </a:lvl9pPr>
+          </a:lstStyle>
+          <a:p>
+            <a:pPr marL="0" indent="0">
+              <a:buNone/>
+            </a:pPr>
+            <a:r>
+              <a:rPr lang="de-DE" sz="3200" dirty="0"/>
+              <a:t>Problem</a:t>
+            </a:r>
+          </a:p>
+        </p:txBody>
+      </p:sp>
+      <p:sp>
+        <p:nvSpPr>
+          <p:cNvPr id="23" name="Datumsplatzhalter 22">
+            <a:extLst>
+              <a:ext uri="{FF2B5EF4-FFF2-40B4-BE49-F238E27FC236}">
+                <a16:creationId xmlns:a16="http://schemas.microsoft.com/office/drawing/2014/main" id="{C7AC2227-941C-4A99-AE41-0EE7B89E2BA6}"/>
+              </a:ext>
+            </a:extLst>
+          </p:cNvPr>
+          <p:cNvSpPr>
+            <a:spLocks noGrp="1"/>
+          </p:cNvSpPr>
+          <p:nvPr>
+            <p:ph type="dt" sz="half" idx="10"/>
+          </p:nvPr>
+        </p:nvSpPr>
+        <p:spPr/>
+        <p:txBody>
+          <a:bodyPr/>
+          <a:lstStyle/>
+          <a:p>
+            <a:pPr rtl="0"/>
+            <a:fld id="{D5A8FD4C-E9EA-41B4-92E1-65549C0DC964}" type="datetime1">
+              <a:rPr lang="de-DE" smtClean="0"/>
+              <a:t>17.05.2018</a:t>
+            </a:fld>
+            <a:endParaRPr lang="de-DE" dirty="0"/>
+          </a:p>
+        </p:txBody>
+      </p:sp>
+      <p:sp>
+        <p:nvSpPr>
+          <p:cNvPr id="24" name="Fußzeilenplatzhalter 23">
+            <a:extLst>
+              <a:ext uri="{FF2B5EF4-FFF2-40B4-BE49-F238E27FC236}">
+                <a16:creationId xmlns:a16="http://schemas.microsoft.com/office/drawing/2014/main" id="{74EA40D6-8EAB-4E28-8BC9-1BB2A0CF2191}"/>
+              </a:ext>
+            </a:extLst>
+          </p:cNvPr>
+          <p:cNvSpPr>
+            <a:spLocks noGrp="1"/>
+          </p:cNvSpPr>
+          <p:nvPr>
+            <p:ph type="ftr" sz="quarter" idx="11"/>
+          </p:nvPr>
+        </p:nvSpPr>
+        <p:spPr/>
+        <p:txBody>
+          <a:bodyPr/>
+          <a:lstStyle/>
+          <a:p>
+            <a:pPr rtl="0"/>
+            <a:r>
+              <a:rPr lang="de-DE" dirty="0"/>
+              <a:t>Präsentation 1                Web-Engineering</a:t>
+            </a:r>
+          </a:p>
+        </p:txBody>
+      </p:sp>
+      <p:sp>
+        <p:nvSpPr>
+          <p:cNvPr id="25" name="Foliennummernplatzhalter 24">
+            <a:extLst>
+              <a:ext uri="{FF2B5EF4-FFF2-40B4-BE49-F238E27FC236}">
+                <a16:creationId xmlns:a16="http://schemas.microsoft.com/office/drawing/2014/main" id="{2E87D07B-032A-4ED4-A5E2-8E06C3B1E0AB}"/>
+              </a:ext>
+            </a:extLst>
+          </p:cNvPr>
+          <p:cNvSpPr>
+            <a:spLocks noGrp="1"/>
+          </p:cNvSpPr>
+          <p:nvPr>
+            <p:ph type="sldNum" sz="quarter" idx="12"/>
+          </p:nvPr>
+        </p:nvSpPr>
+        <p:spPr/>
+        <p:txBody>
+          <a:bodyPr/>
+          <a:lstStyle/>
+          <a:p>
+            <a:pPr rtl="0"/>
+            <a:fld id="{7DC1BBB0-96F0-4077-A278-0F3FB5C104D3}" type="slidenum">
+              <a:rPr lang="de-DE" smtClean="0"/>
+              <a:t>3</a:t>
+            </a:fld>
+            <a:endParaRPr lang="de-DE" dirty="0"/>
+          </a:p>
+        </p:txBody>
+      </p:sp>
+    </p:spTree>
+    <p:extLst>
+      <p:ext uri="{BB962C8B-B14F-4D97-AF65-F5344CB8AC3E}">
+        <p14:creationId xmlns:p14="http://schemas.microsoft.com/office/powerpoint/2010/main" val="571916843"/>
+      </p:ext>
+    </p:extLst>
+  </p:cSld>
+  <p:clrMapOvr>
+    <a:masterClrMapping/>
+  </p:clrMapOvr>
+  <mc:AlternateContent xmlns:mc="http://schemas.openxmlformats.org/markup-compatibility/2006" xmlns:p14="http://schemas.microsoft.com/office/powerpoint/2010/main">
+    <mc:Choice Requires="p14">
+      <p:transition spd="med" p14:dur="700">
+        <p:fade/>
+      </p:transition>
+    </mc:Choice>
+    <mc:Fallback xmlns="">
+      <p:transition spd="med">
+        <p:fade/>
+      </p:transition>
+    </mc:Fallback>
+  </mc:AlternateContent>
+</p:sld>
+</file>
+
+<file path=ppt/slides/slide4.xml><?xml version="1.0" encoding="utf-8"?>
+<p:sld xmlns:a="http://schemas.openxmlformats.org/drawingml/2006/main" xmlns:r="http://schemas.openxmlformats.org/officeDocument/2006/relationships" xmlns:p="http://schemas.openxmlformats.org/presentationml/2006/main">
+  <p:cSld>
+    <p:spTree>
+      <p:nvGrpSpPr>
+        <p:cNvPr id="1" name=""/>
+        <p:cNvGrpSpPr/>
+        <p:nvPr/>
+      </p:nvGrpSpPr>
+      <p:grpSpPr>
+        <a:xfrm>
+          <a:off x="0" y="0"/>
+          <a:ext cx="0" cy="0"/>
+          <a:chOff x="0" y="0"/>
+          <a:chExt cx="0" cy="0"/>
+        </a:xfrm>
+      </p:grpSpPr>
+      <p:sp>
+        <p:nvSpPr>
+          <p:cNvPr id="2" name="Titel 1"/>
+          <p:cNvSpPr>
+            <a:spLocks noGrp="1"/>
+          </p:cNvSpPr>
+          <p:nvPr>
+            <p:ph type="title"/>
+          </p:nvPr>
+        </p:nvSpPr>
+        <p:spPr/>
+        <p:txBody>
+          <a:bodyPr rtlCol="0">
+            <a:normAutofit/>
+          </a:bodyPr>
+          <a:lstStyle/>
+          <a:p>
+            <a:pPr rtl="0"/>
+            <a:r>
+              <a:rPr lang="de-DE" sz="4000" dirty="0"/>
+              <a:t>Projekt-Idee/Ziel (2)</a:t>
+            </a:r>
+          </a:p>
+        </p:txBody>
+      </p:sp>
+      <p:sp>
+        <p:nvSpPr>
+          <p:cNvPr id="5" name="Inhaltsplatzhalter 2">
+            <a:extLst>
+              <a:ext uri="{FF2B5EF4-FFF2-40B4-BE49-F238E27FC236}">
+                <a16:creationId xmlns:a16="http://schemas.microsoft.com/office/drawing/2014/main" id="{901BF3B9-79A1-46A0-A242-CB281F63200A}"/>
+              </a:ext>
+            </a:extLst>
+          </p:cNvPr>
+          <p:cNvSpPr txBox="1">
+            <a:spLocks/>
+          </p:cNvSpPr>
+          <p:nvPr/>
+        </p:nvSpPr>
+        <p:spPr>
+          <a:xfrm>
+            <a:off x="1745837" y="1752600"/>
+            <a:ext cx="3564872" cy="4572000"/>
           </a:xfrm>
           <a:prstGeom prst="rect">
             <a:avLst/>
@@ -9201,22 +9843,19 @@
             </a:lvl9pPr>
           </a:lstStyle>
           <a:p>
-            <a:pPr marL="0" indent="0" algn="r">
+            <a:pPr marL="0" indent="0">
               <a:buNone/>
             </a:pPr>
-            <a:r>
-              <a:rPr lang="de-DE" sz="1400" dirty="0"/>
-              <a:t>Quelle: Bitkom Research</a:t>
-            </a:r>
-          </a:p>
-        </p:txBody>
-      </p:sp>
-      <p:sp>
-        <p:nvSpPr>
-          <p:cNvPr id="20" name="Textplatzhalter 5">
+            <a:endParaRPr lang="de-DE" dirty="0"/>
+          </a:p>
+        </p:txBody>
+      </p:sp>
+      <p:sp>
+        <p:nvSpPr>
+          <p:cNvPr id="6" name="Inhaltsplatzhalter 2">
             <a:extLst>
               <a:ext uri="{FF2B5EF4-FFF2-40B4-BE49-F238E27FC236}">
-                <a16:creationId xmlns:a16="http://schemas.microsoft.com/office/drawing/2014/main" id="{1DCB1ADD-D473-4023-8EB3-72DD80FC0114}"/>
+                <a16:creationId xmlns:a16="http://schemas.microsoft.com/office/drawing/2014/main" id="{76417F7C-5310-4652-BF9C-0DD0D8E1B4C3}"/>
               </a:ext>
             </a:extLst>
           </p:cNvPr>
@@ -9227,15 +9866,17 @@
         </p:nvSpPr>
         <p:spPr>
           <a:xfrm>
-            <a:off x="1593371" y="1883507"/>
-            <a:ext cx="9589219" cy="554987"/>
+            <a:off x="6847849" y="2108849"/>
+            <a:ext cx="3564872" cy="4572000"/>
           </a:xfrm>
           <a:prstGeom prst="rect">
             <a:avLst/>
           </a:prstGeom>
         </p:spPr>
         <p:txBody>
-          <a:bodyPr rtlCol="0"/>
+          <a:bodyPr vert="horz" lIns="91440" tIns="45720" rIns="91440" bIns="45720" rtlCol="0">
+            <a:normAutofit/>
+          </a:bodyPr>
           <a:lstStyle>
             <a:lvl1pPr marL="246888" indent="-246888" algn="l" defTabSz="914400" rtl="0" eaLnBrk="1" latinLnBrk="0" hangingPunct="1">
               <a:lnSpc>
@@ -9401,12 +10042,600 @@
             </a:lvl9pPr>
           </a:lstStyle>
           <a:p>
-            <a:pPr marL="0" indent="0">
+            <a:endParaRPr lang="de-DE" dirty="0"/>
+          </a:p>
+        </p:txBody>
+      </p:sp>
+      <p:sp>
+        <p:nvSpPr>
+          <p:cNvPr id="8" name="Inhaltsplatzhalter 2">
+            <a:extLst>
+              <a:ext uri="{FF2B5EF4-FFF2-40B4-BE49-F238E27FC236}">
+                <a16:creationId xmlns:a16="http://schemas.microsoft.com/office/drawing/2014/main" id="{F8332517-D740-47F8-AA1E-0E03A3CDD0B1}"/>
+              </a:ext>
+            </a:extLst>
+          </p:cNvPr>
+          <p:cNvSpPr txBox="1">
+            <a:spLocks/>
+          </p:cNvSpPr>
+          <p:nvPr/>
+        </p:nvSpPr>
+        <p:spPr>
+          <a:xfrm>
+            <a:off x="4677278" y="1804392"/>
+            <a:ext cx="3564872" cy="4572000"/>
+          </a:xfrm>
+          <a:prstGeom prst="rect">
+            <a:avLst/>
+          </a:prstGeom>
+        </p:spPr>
+        <p:txBody>
+          <a:bodyPr vert="horz" lIns="91440" tIns="45720" rIns="91440" bIns="45720" rtlCol="0">
+            <a:normAutofit/>
+          </a:bodyPr>
+          <a:lstStyle>
+            <a:lvl1pPr marL="246888" indent="-246888" algn="l" defTabSz="914400" rtl="0" eaLnBrk="1" latinLnBrk="0" hangingPunct="1">
+              <a:lnSpc>
+                <a:spcPct val="90000"/>
+              </a:lnSpc>
+              <a:spcBef>
+                <a:spcPts val="1400"/>
+              </a:spcBef>
+              <a:buFont typeface="Euphemia" pitchFamily="34" charset="0"/>
+              <a:buChar char="›"/>
+              <a:defRPr sz="2800" kern="1200">
+                <a:solidFill>
+                  <a:schemeClr val="tx1"/>
+                </a:solidFill>
+                <a:latin typeface="+mn-lt"/>
+                <a:ea typeface="+mn-ea"/>
+                <a:cs typeface="+mn-cs"/>
+              </a:defRPr>
+            </a:lvl1pPr>
+            <a:lvl2pPr marL="612648" indent="-246888" algn="l" defTabSz="914400" rtl="0" eaLnBrk="1" latinLnBrk="0" hangingPunct="1">
+              <a:lnSpc>
+                <a:spcPct val="90000"/>
+              </a:lnSpc>
+              <a:spcBef>
+                <a:spcPts val="600"/>
+              </a:spcBef>
+              <a:buFont typeface="Euphemia" pitchFamily="34" charset="0"/>
+              <a:buChar char="–"/>
+              <a:defRPr sz="2400" kern="1200">
+                <a:solidFill>
+                  <a:schemeClr val="tx1"/>
+                </a:solidFill>
+                <a:latin typeface="+mn-lt"/>
+                <a:ea typeface="+mn-ea"/>
+                <a:cs typeface="+mn-cs"/>
+              </a:defRPr>
+            </a:lvl2pPr>
+            <a:lvl3pPr marL="978408" indent="-246888" algn="l" defTabSz="914400" rtl="0" eaLnBrk="1" latinLnBrk="0" hangingPunct="1">
+              <a:lnSpc>
+                <a:spcPct val="90000"/>
+              </a:lnSpc>
+              <a:spcBef>
+                <a:spcPts val="600"/>
+              </a:spcBef>
+              <a:buFont typeface="Euphemia" pitchFamily="34" charset="0"/>
+              <a:buChar char="›"/>
+              <a:defRPr sz="2000" kern="1200">
+                <a:solidFill>
+                  <a:schemeClr val="tx1"/>
+                </a:solidFill>
+                <a:latin typeface="+mn-lt"/>
+                <a:ea typeface="+mn-ea"/>
+                <a:cs typeface="+mn-cs"/>
+              </a:defRPr>
+            </a:lvl3pPr>
+            <a:lvl4pPr marL="1344168" indent="-246888" algn="l" defTabSz="914400" rtl="0" eaLnBrk="1" latinLnBrk="0" hangingPunct="1">
+              <a:lnSpc>
+                <a:spcPct val="90000"/>
+              </a:lnSpc>
+              <a:spcBef>
+                <a:spcPts val="600"/>
+              </a:spcBef>
+              <a:buFont typeface="Arial" pitchFamily="34" charset="0"/>
+              <a:buChar char="–"/>
+              <a:defRPr sz="1800" kern="1200">
+                <a:solidFill>
+                  <a:schemeClr val="tx1"/>
+                </a:solidFill>
+                <a:latin typeface="+mn-lt"/>
+                <a:ea typeface="+mn-ea"/>
+                <a:cs typeface="+mn-cs"/>
+              </a:defRPr>
+            </a:lvl4pPr>
+            <a:lvl5pPr marL="1709928" indent="-246888" algn="l" defTabSz="914400" rtl="0" eaLnBrk="1" latinLnBrk="0" hangingPunct="1">
+              <a:lnSpc>
+                <a:spcPct val="90000"/>
+              </a:lnSpc>
+              <a:spcBef>
+                <a:spcPts val="600"/>
+              </a:spcBef>
+              <a:buFont typeface="Euphemia" pitchFamily="34" charset="0"/>
+              <a:buChar char="›"/>
+              <a:defRPr sz="1800" kern="1200">
+                <a:solidFill>
+                  <a:schemeClr val="tx1"/>
+                </a:solidFill>
+                <a:latin typeface="+mn-lt"/>
+                <a:ea typeface="+mn-ea"/>
+                <a:cs typeface="+mn-cs"/>
+              </a:defRPr>
+            </a:lvl5pPr>
+            <a:lvl6pPr marL="2075688" indent="-246888" algn="l" defTabSz="914400" rtl="0" eaLnBrk="1" latinLnBrk="0" hangingPunct="1">
+              <a:lnSpc>
+                <a:spcPct val="90000"/>
+              </a:lnSpc>
+              <a:spcBef>
+                <a:spcPts val="600"/>
+              </a:spcBef>
+              <a:buFont typeface="Euphemia" pitchFamily="34" charset="0"/>
+              <a:buChar char="–"/>
+              <a:defRPr sz="1800" kern="1200">
+                <a:solidFill>
+                  <a:schemeClr val="tx1"/>
+                </a:solidFill>
+                <a:latin typeface="+mn-lt"/>
+                <a:ea typeface="+mn-ea"/>
+                <a:cs typeface="+mn-cs"/>
+              </a:defRPr>
+            </a:lvl6pPr>
+            <a:lvl7pPr marL="2441448" indent="-246888" algn="l" defTabSz="914400" rtl="0" eaLnBrk="1" latinLnBrk="0" hangingPunct="1">
+              <a:lnSpc>
+                <a:spcPct val="90000"/>
+              </a:lnSpc>
+              <a:spcBef>
+                <a:spcPts val="600"/>
+              </a:spcBef>
+              <a:buFont typeface="Euphemia" pitchFamily="34" charset="0"/>
+              <a:buChar char="›"/>
+              <a:defRPr sz="1800" kern="1200">
+                <a:solidFill>
+                  <a:schemeClr val="tx1"/>
+                </a:solidFill>
+                <a:latin typeface="+mn-lt"/>
+                <a:ea typeface="+mn-ea"/>
+                <a:cs typeface="+mn-cs"/>
+              </a:defRPr>
+            </a:lvl7pPr>
+            <a:lvl8pPr marL="2807208" indent="-246888" algn="l" defTabSz="914400" rtl="0" eaLnBrk="1" latinLnBrk="0" hangingPunct="1">
+              <a:lnSpc>
+                <a:spcPct val="90000"/>
+              </a:lnSpc>
+              <a:spcBef>
+                <a:spcPts val="600"/>
+              </a:spcBef>
+              <a:buFont typeface="Euphemia" pitchFamily="34" charset="0"/>
+              <a:buChar char="–"/>
+              <a:defRPr sz="1800" kern="1200" baseline="0">
+                <a:solidFill>
+                  <a:schemeClr val="tx1"/>
+                </a:solidFill>
+                <a:latin typeface="+mn-lt"/>
+                <a:ea typeface="+mn-ea"/>
+                <a:cs typeface="+mn-cs"/>
+              </a:defRPr>
+            </a:lvl8pPr>
+            <a:lvl9pPr marL="3172968" indent="-246888" algn="l" defTabSz="914400" rtl="0" eaLnBrk="1" latinLnBrk="0" hangingPunct="1">
+              <a:lnSpc>
+                <a:spcPct val="90000"/>
+              </a:lnSpc>
+              <a:spcBef>
+                <a:spcPts val="600"/>
+              </a:spcBef>
+              <a:buFont typeface="Euphemia" pitchFamily="34" charset="0"/>
+              <a:buChar char="›"/>
+              <a:defRPr sz="1800" kern="1200" baseline="0">
+                <a:solidFill>
+                  <a:schemeClr val="tx1"/>
+                </a:solidFill>
+                <a:latin typeface="+mn-lt"/>
+                <a:ea typeface="+mn-ea"/>
+                <a:cs typeface="+mn-cs"/>
+              </a:defRPr>
+            </a:lvl9pPr>
+          </a:lstStyle>
+          <a:p>
+            <a:endParaRPr lang="de-DE" dirty="0"/>
+          </a:p>
+        </p:txBody>
+      </p:sp>
+      <p:sp>
+        <p:nvSpPr>
+          <p:cNvPr id="15" name="Inhaltsplatzhalter 2">
+            <a:extLst>
+              <a:ext uri="{FF2B5EF4-FFF2-40B4-BE49-F238E27FC236}">
+                <a16:creationId xmlns:a16="http://schemas.microsoft.com/office/drawing/2014/main" id="{8099435B-433B-4C2F-AFD8-D62A52839B11}"/>
+              </a:ext>
+            </a:extLst>
+          </p:cNvPr>
+          <p:cNvSpPr txBox="1">
+            <a:spLocks/>
+          </p:cNvSpPr>
+          <p:nvPr/>
+        </p:nvSpPr>
+        <p:spPr>
+          <a:xfrm>
+            <a:off x="6784130" y="1752227"/>
+            <a:ext cx="2543306" cy="576064"/>
+          </a:xfrm>
+          <a:prstGeom prst="rect">
+            <a:avLst/>
+          </a:prstGeom>
+        </p:spPr>
+        <p:txBody>
+          <a:bodyPr vert="horz" lIns="91440" tIns="45720" rIns="91440" bIns="45720" rtlCol="0">
+            <a:normAutofit/>
+          </a:bodyPr>
+          <a:lstStyle>
+            <a:lvl1pPr marL="246888" indent="-246888" algn="l" defTabSz="914400" rtl="0" eaLnBrk="1" latinLnBrk="0" hangingPunct="1">
+              <a:lnSpc>
+                <a:spcPct val="90000"/>
+              </a:lnSpc>
+              <a:spcBef>
+                <a:spcPts val="1400"/>
+              </a:spcBef>
+              <a:buFont typeface="Euphemia" pitchFamily="34" charset="0"/>
+              <a:buChar char="›"/>
+              <a:defRPr sz="2800" kern="1200">
+                <a:solidFill>
+                  <a:schemeClr val="tx1"/>
+                </a:solidFill>
+                <a:latin typeface="+mn-lt"/>
+                <a:ea typeface="+mn-ea"/>
+                <a:cs typeface="+mn-cs"/>
+              </a:defRPr>
+            </a:lvl1pPr>
+            <a:lvl2pPr marL="612648" indent="-246888" algn="l" defTabSz="914400" rtl="0" eaLnBrk="1" latinLnBrk="0" hangingPunct="1">
+              <a:lnSpc>
+                <a:spcPct val="90000"/>
+              </a:lnSpc>
+              <a:spcBef>
+                <a:spcPts val="600"/>
+              </a:spcBef>
+              <a:buFont typeface="Euphemia" pitchFamily="34" charset="0"/>
+              <a:buChar char="–"/>
+              <a:defRPr sz="2400" kern="1200">
+                <a:solidFill>
+                  <a:schemeClr val="tx1"/>
+                </a:solidFill>
+                <a:latin typeface="+mn-lt"/>
+                <a:ea typeface="+mn-ea"/>
+                <a:cs typeface="+mn-cs"/>
+              </a:defRPr>
+            </a:lvl2pPr>
+            <a:lvl3pPr marL="978408" indent="-246888" algn="l" defTabSz="914400" rtl="0" eaLnBrk="1" latinLnBrk="0" hangingPunct="1">
+              <a:lnSpc>
+                <a:spcPct val="90000"/>
+              </a:lnSpc>
+              <a:spcBef>
+                <a:spcPts val="600"/>
+              </a:spcBef>
+              <a:buFont typeface="Euphemia" pitchFamily="34" charset="0"/>
+              <a:buChar char="›"/>
+              <a:defRPr sz="2000" kern="1200">
+                <a:solidFill>
+                  <a:schemeClr val="tx1"/>
+                </a:solidFill>
+                <a:latin typeface="+mn-lt"/>
+                <a:ea typeface="+mn-ea"/>
+                <a:cs typeface="+mn-cs"/>
+              </a:defRPr>
+            </a:lvl3pPr>
+            <a:lvl4pPr marL="1344168" indent="-246888" algn="l" defTabSz="914400" rtl="0" eaLnBrk="1" latinLnBrk="0" hangingPunct="1">
+              <a:lnSpc>
+                <a:spcPct val="90000"/>
+              </a:lnSpc>
+              <a:spcBef>
+                <a:spcPts val="600"/>
+              </a:spcBef>
+              <a:buFont typeface="Arial" pitchFamily="34" charset="0"/>
+              <a:buChar char="–"/>
+              <a:defRPr sz="1800" kern="1200">
+                <a:solidFill>
+                  <a:schemeClr val="tx1"/>
+                </a:solidFill>
+                <a:latin typeface="+mn-lt"/>
+                <a:ea typeface="+mn-ea"/>
+                <a:cs typeface="+mn-cs"/>
+              </a:defRPr>
+            </a:lvl4pPr>
+            <a:lvl5pPr marL="1709928" indent="-246888" algn="l" defTabSz="914400" rtl="0" eaLnBrk="1" latinLnBrk="0" hangingPunct="1">
+              <a:lnSpc>
+                <a:spcPct val="90000"/>
+              </a:lnSpc>
+              <a:spcBef>
+                <a:spcPts val="600"/>
+              </a:spcBef>
+              <a:buFont typeface="Euphemia" pitchFamily="34" charset="0"/>
+              <a:buChar char="›"/>
+              <a:defRPr sz="1800" kern="1200">
+                <a:solidFill>
+                  <a:schemeClr val="tx1"/>
+                </a:solidFill>
+                <a:latin typeface="+mn-lt"/>
+                <a:ea typeface="+mn-ea"/>
+                <a:cs typeface="+mn-cs"/>
+              </a:defRPr>
+            </a:lvl5pPr>
+            <a:lvl6pPr marL="2075688" indent="-246888" algn="l" defTabSz="914400" rtl="0" eaLnBrk="1" latinLnBrk="0" hangingPunct="1">
+              <a:lnSpc>
+                <a:spcPct val="90000"/>
+              </a:lnSpc>
+              <a:spcBef>
+                <a:spcPts val="600"/>
+              </a:spcBef>
+              <a:buFont typeface="Euphemia" pitchFamily="34" charset="0"/>
+              <a:buChar char="–"/>
+              <a:defRPr sz="1800" kern="1200">
+                <a:solidFill>
+                  <a:schemeClr val="tx1"/>
+                </a:solidFill>
+                <a:latin typeface="+mn-lt"/>
+                <a:ea typeface="+mn-ea"/>
+                <a:cs typeface="+mn-cs"/>
+              </a:defRPr>
+            </a:lvl6pPr>
+            <a:lvl7pPr marL="2441448" indent="-246888" algn="l" defTabSz="914400" rtl="0" eaLnBrk="1" latinLnBrk="0" hangingPunct="1">
+              <a:lnSpc>
+                <a:spcPct val="90000"/>
+              </a:lnSpc>
+              <a:spcBef>
+                <a:spcPts val="600"/>
+              </a:spcBef>
+              <a:buFont typeface="Euphemia" pitchFamily="34" charset="0"/>
+              <a:buChar char="›"/>
+              <a:defRPr sz="1800" kern="1200">
+                <a:solidFill>
+                  <a:schemeClr val="tx1"/>
+                </a:solidFill>
+                <a:latin typeface="+mn-lt"/>
+                <a:ea typeface="+mn-ea"/>
+                <a:cs typeface="+mn-cs"/>
+              </a:defRPr>
+            </a:lvl7pPr>
+            <a:lvl8pPr marL="2807208" indent="-246888" algn="l" defTabSz="914400" rtl="0" eaLnBrk="1" latinLnBrk="0" hangingPunct="1">
+              <a:lnSpc>
+                <a:spcPct val="90000"/>
+              </a:lnSpc>
+              <a:spcBef>
+                <a:spcPts val="600"/>
+              </a:spcBef>
+              <a:buFont typeface="Euphemia" pitchFamily="34" charset="0"/>
+              <a:buChar char="–"/>
+              <a:defRPr sz="1800" kern="1200" baseline="0">
+                <a:solidFill>
+                  <a:schemeClr val="tx1"/>
+                </a:solidFill>
+                <a:latin typeface="+mn-lt"/>
+                <a:ea typeface="+mn-ea"/>
+                <a:cs typeface="+mn-cs"/>
+              </a:defRPr>
+            </a:lvl8pPr>
+            <a:lvl9pPr marL="3172968" indent="-246888" algn="l" defTabSz="914400" rtl="0" eaLnBrk="1" latinLnBrk="0" hangingPunct="1">
+              <a:lnSpc>
+                <a:spcPct val="90000"/>
+              </a:lnSpc>
+              <a:spcBef>
+                <a:spcPts val="600"/>
+              </a:spcBef>
+              <a:buFont typeface="Euphemia" pitchFamily="34" charset="0"/>
+              <a:buChar char="›"/>
+              <a:defRPr sz="1800" kern="1200" baseline="0">
+                <a:solidFill>
+                  <a:schemeClr val="tx1"/>
+                </a:solidFill>
+                <a:latin typeface="+mn-lt"/>
+                <a:ea typeface="+mn-ea"/>
+                <a:cs typeface="+mn-cs"/>
+              </a:defRPr>
+            </a:lvl9pPr>
+          </a:lstStyle>
+          <a:p>
+            <a:endParaRPr lang="de-DE" dirty="0"/>
+          </a:p>
+        </p:txBody>
+      </p:sp>
+      <p:sp>
+        <p:nvSpPr>
+          <p:cNvPr id="16" name="Inhaltsplatzhalter 2">
+            <a:extLst>
+              <a:ext uri="{FF2B5EF4-FFF2-40B4-BE49-F238E27FC236}">
+                <a16:creationId xmlns:a16="http://schemas.microsoft.com/office/drawing/2014/main" id="{E5CE49BD-2E9C-4CAC-B02C-64DFAC5BF01F}"/>
+              </a:ext>
+            </a:extLst>
+          </p:cNvPr>
+          <p:cNvSpPr txBox="1">
+            <a:spLocks/>
+          </p:cNvSpPr>
+          <p:nvPr/>
+        </p:nvSpPr>
+        <p:spPr>
+          <a:xfrm>
+            <a:off x="6387980" y="6229930"/>
+            <a:ext cx="5266856" cy="576064"/>
+          </a:xfrm>
+          <a:prstGeom prst="rect">
+            <a:avLst/>
+          </a:prstGeom>
+        </p:spPr>
+        <p:txBody>
+          <a:bodyPr vert="horz" lIns="91440" tIns="45720" rIns="91440" bIns="45720" rtlCol="0">
+            <a:normAutofit/>
+          </a:bodyPr>
+          <a:lstStyle>
+            <a:lvl1pPr marL="246888" indent="-246888" algn="l" defTabSz="914400" rtl="0" eaLnBrk="1" latinLnBrk="0" hangingPunct="1">
+              <a:lnSpc>
+                <a:spcPct val="90000"/>
+              </a:lnSpc>
+              <a:spcBef>
+                <a:spcPts val="1400"/>
+              </a:spcBef>
+              <a:buFont typeface="Euphemia" pitchFamily="34" charset="0"/>
+              <a:buChar char="›"/>
+              <a:defRPr sz="2800" kern="1200">
+                <a:solidFill>
+                  <a:schemeClr val="tx1"/>
+                </a:solidFill>
+                <a:latin typeface="+mn-lt"/>
+                <a:ea typeface="+mn-ea"/>
+                <a:cs typeface="+mn-cs"/>
+              </a:defRPr>
+            </a:lvl1pPr>
+            <a:lvl2pPr marL="612648" indent="-246888" algn="l" defTabSz="914400" rtl="0" eaLnBrk="1" latinLnBrk="0" hangingPunct="1">
+              <a:lnSpc>
+                <a:spcPct val="90000"/>
+              </a:lnSpc>
+              <a:spcBef>
+                <a:spcPts val="600"/>
+              </a:spcBef>
+              <a:buFont typeface="Euphemia" pitchFamily="34" charset="0"/>
+              <a:buChar char="–"/>
+              <a:defRPr sz="2400" kern="1200">
+                <a:solidFill>
+                  <a:schemeClr val="tx1"/>
+                </a:solidFill>
+                <a:latin typeface="+mn-lt"/>
+                <a:ea typeface="+mn-ea"/>
+                <a:cs typeface="+mn-cs"/>
+              </a:defRPr>
+            </a:lvl2pPr>
+            <a:lvl3pPr marL="978408" indent="-246888" algn="l" defTabSz="914400" rtl="0" eaLnBrk="1" latinLnBrk="0" hangingPunct="1">
+              <a:lnSpc>
+                <a:spcPct val="90000"/>
+              </a:lnSpc>
+              <a:spcBef>
+                <a:spcPts val="600"/>
+              </a:spcBef>
+              <a:buFont typeface="Euphemia" pitchFamily="34" charset="0"/>
+              <a:buChar char="›"/>
+              <a:defRPr sz="2000" kern="1200">
+                <a:solidFill>
+                  <a:schemeClr val="tx1"/>
+                </a:solidFill>
+                <a:latin typeface="+mn-lt"/>
+                <a:ea typeface="+mn-ea"/>
+                <a:cs typeface="+mn-cs"/>
+              </a:defRPr>
+            </a:lvl3pPr>
+            <a:lvl4pPr marL="1344168" indent="-246888" algn="l" defTabSz="914400" rtl="0" eaLnBrk="1" latinLnBrk="0" hangingPunct="1">
+              <a:lnSpc>
+                <a:spcPct val="90000"/>
+              </a:lnSpc>
+              <a:spcBef>
+                <a:spcPts val="600"/>
+              </a:spcBef>
+              <a:buFont typeface="Arial" pitchFamily="34" charset="0"/>
+              <a:buChar char="–"/>
+              <a:defRPr sz="1800" kern="1200">
+                <a:solidFill>
+                  <a:schemeClr val="tx1"/>
+                </a:solidFill>
+                <a:latin typeface="+mn-lt"/>
+                <a:ea typeface="+mn-ea"/>
+                <a:cs typeface="+mn-cs"/>
+              </a:defRPr>
+            </a:lvl4pPr>
+            <a:lvl5pPr marL="1709928" indent="-246888" algn="l" defTabSz="914400" rtl="0" eaLnBrk="1" latinLnBrk="0" hangingPunct="1">
+              <a:lnSpc>
+                <a:spcPct val="90000"/>
+              </a:lnSpc>
+              <a:spcBef>
+                <a:spcPts val="600"/>
+              </a:spcBef>
+              <a:buFont typeface="Euphemia" pitchFamily="34" charset="0"/>
+              <a:buChar char="›"/>
+              <a:defRPr sz="1800" kern="1200">
+                <a:solidFill>
+                  <a:schemeClr val="tx1"/>
+                </a:solidFill>
+                <a:latin typeface="+mn-lt"/>
+                <a:ea typeface="+mn-ea"/>
+                <a:cs typeface="+mn-cs"/>
+              </a:defRPr>
+            </a:lvl5pPr>
+            <a:lvl6pPr marL="2075688" indent="-246888" algn="l" defTabSz="914400" rtl="0" eaLnBrk="1" latinLnBrk="0" hangingPunct="1">
+              <a:lnSpc>
+                <a:spcPct val="90000"/>
+              </a:lnSpc>
+              <a:spcBef>
+                <a:spcPts val="600"/>
+              </a:spcBef>
+              <a:buFont typeface="Euphemia" pitchFamily="34" charset="0"/>
+              <a:buChar char="–"/>
+              <a:defRPr sz="1800" kern="1200">
+                <a:solidFill>
+                  <a:schemeClr val="tx1"/>
+                </a:solidFill>
+                <a:latin typeface="+mn-lt"/>
+                <a:ea typeface="+mn-ea"/>
+                <a:cs typeface="+mn-cs"/>
+              </a:defRPr>
+            </a:lvl6pPr>
+            <a:lvl7pPr marL="2441448" indent="-246888" algn="l" defTabSz="914400" rtl="0" eaLnBrk="1" latinLnBrk="0" hangingPunct="1">
+              <a:lnSpc>
+                <a:spcPct val="90000"/>
+              </a:lnSpc>
+              <a:spcBef>
+                <a:spcPts val="600"/>
+              </a:spcBef>
+              <a:buFont typeface="Euphemia" pitchFamily="34" charset="0"/>
+              <a:buChar char="›"/>
+              <a:defRPr sz="1800" kern="1200">
+                <a:solidFill>
+                  <a:schemeClr val="tx1"/>
+                </a:solidFill>
+                <a:latin typeface="+mn-lt"/>
+                <a:ea typeface="+mn-ea"/>
+                <a:cs typeface="+mn-cs"/>
+              </a:defRPr>
+            </a:lvl7pPr>
+            <a:lvl8pPr marL="2807208" indent="-246888" algn="l" defTabSz="914400" rtl="0" eaLnBrk="1" latinLnBrk="0" hangingPunct="1">
+              <a:lnSpc>
+                <a:spcPct val="90000"/>
+              </a:lnSpc>
+              <a:spcBef>
+                <a:spcPts val="600"/>
+              </a:spcBef>
+              <a:buFont typeface="Euphemia" pitchFamily="34" charset="0"/>
+              <a:buChar char="–"/>
+              <a:defRPr sz="1800" kern="1200" baseline="0">
+                <a:solidFill>
+                  <a:schemeClr val="tx1"/>
+                </a:solidFill>
+                <a:latin typeface="+mn-lt"/>
+                <a:ea typeface="+mn-ea"/>
+                <a:cs typeface="+mn-cs"/>
+              </a:defRPr>
+            </a:lvl8pPr>
+            <a:lvl9pPr marL="3172968" indent="-246888" algn="l" defTabSz="914400" rtl="0" eaLnBrk="1" latinLnBrk="0" hangingPunct="1">
+              <a:lnSpc>
+                <a:spcPct val="90000"/>
+              </a:lnSpc>
+              <a:spcBef>
+                <a:spcPts val="600"/>
+              </a:spcBef>
+              <a:buFont typeface="Euphemia" pitchFamily="34" charset="0"/>
+              <a:buChar char="›"/>
+              <a:defRPr sz="1800" kern="1200" baseline="0">
+                <a:solidFill>
+                  <a:schemeClr val="tx1"/>
+                </a:solidFill>
+                <a:latin typeface="+mn-lt"/>
+                <a:ea typeface="+mn-ea"/>
+                <a:cs typeface="+mn-cs"/>
+              </a:defRPr>
+            </a:lvl9pPr>
+          </a:lstStyle>
+          <a:p>
+            <a:pPr marL="0" indent="0" algn="r">
               <a:buNone/>
             </a:pPr>
             <a:r>
-              <a:rPr lang="de-DE" sz="3200" dirty="0"/>
-              <a:t>Problem</a:t>
+              <a:rPr lang="de-DE" sz="1400" dirty="0"/>
+              <a:t>Quelle: Bitkom Research</a:t>
             </a:r>
           </a:p>
         </p:txBody>
@@ -9426,15 +10655,15 @@
           <p:nvPr/>
         </p:nvPicPr>
         <p:blipFill>
-          <a:blip r:embed="rId4"/>
+          <a:blip r:embed="rId3"/>
           <a:stretch>
             <a:fillRect/>
           </a:stretch>
         </p:blipFill>
         <p:spPr>
           <a:xfrm>
-            <a:off x="6922480" y="2395441"/>
-            <a:ext cx="4582621" cy="3404888"/>
+            <a:off x="2645635" y="1324552"/>
+            <a:ext cx="6897554" cy="5124884"/>
           </a:xfrm>
           <a:prstGeom prst="rect">
             <a:avLst/>
@@ -9465,7 +10694,7 @@
             <a:pPr rtl="0"/>
             <a:fld id="{D5A8FD4C-E9EA-41B4-92E1-65549C0DC964}" type="datetime1">
               <a:rPr lang="de-DE" smtClean="0"/>
-              <a:t>13.05.2018</a:t>
+              <a:t>17.05.2018</a:t>
             </a:fld>
             <a:endParaRPr lang="de-DE" dirty="0"/>
           </a:p>
@@ -9525,7 +10754,7 @@
             <a:pPr rtl="0"/>
             <a:fld id="{7DC1BBB0-96F0-4077-A278-0F3FB5C104D3}" type="slidenum">
               <a:rPr lang="de-DE" smtClean="0"/>
-              <a:t>3</a:t>
+              <a:t>4</a:t>
             </a:fld>
             <a:endParaRPr lang="de-DE" dirty="0"/>
           </a:p>
@@ -9534,272 +10763,7 @@
     </p:spTree>
     <p:extLst>
       <p:ext uri="{BB962C8B-B14F-4D97-AF65-F5344CB8AC3E}">
-        <p14:creationId xmlns:p14="http://schemas.microsoft.com/office/powerpoint/2010/main" val="571916843"/>
-      </p:ext>
-    </p:extLst>
-  </p:cSld>
-  <p:clrMapOvr>
-    <a:masterClrMapping/>
-  </p:clrMapOvr>
-  <mc:AlternateContent xmlns:mc="http://schemas.openxmlformats.org/markup-compatibility/2006" xmlns:p14="http://schemas.microsoft.com/office/powerpoint/2010/main">
-    <mc:Choice Requires="p14">
-      <p:transition spd="med" p14:dur="700">
-        <p:fade/>
-      </p:transition>
-    </mc:Choice>
-    <mc:Fallback xmlns="">
-      <p:transition spd="med">
-        <p:fade/>
-      </p:transition>
-    </mc:Fallback>
-  </mc:AlternateContent>
-</p:sld>
-</file>
-
-<file path=ppt/slides/slide4.xml><?xml version="1.0" encoding="utf-8"?>
-<p:sld xmlns:a="http://schemas.openxmlformats.org/drawingml/2006/main" xmlns:r="http://schemas.openxmlformats.org/officeDocument/2006/relationships" xmlns:p="http://schemas.openxmlformats.org/presentationml/2006/main">
-  <p:cSld>
-    <p:spTree>
-      <p:nvGrpSpPr>
-        <p:cNvPr id="1" name=""/>
-        <p:cNvGrpSpPr/>
-        <p:nvPr/>
-      </p:nvGrpSpPr>
-      <p:grpSpPr>
-        <a:xfrm>
-          <a:off x="0" y="0"/>
-          <a:ext cx="0" cy="0"/>
-          <a:chOff x="0" y="0"/>
-          <a:chExt cx="0" cy="0"/>
-        </a:xfrm>
-      </p:grpSpPr>
-      <p:sp>
-        <p:nvSpPr>
-          <p:cNvPr id="2" name="Titel 1"/>
-          <p:cNvSpPr>
-            <a:spLocks noGrp="1"/>
-          </p:cNvSpPr>
-          <p:nvPr>
-            <p:ph type="title"/>
-          </p:nvPr>
-        </p:nvSpPr>
-        <p:spPr/>
-        <p:txBody>
-          <a:bodyPr rtlCol="0">
-            <a:normAutofit/>
-          </a:bodyPr>
-          <a:lstStyle/>
-          <a:p>
-            <a:pPr rtl="0"/>
-            <a:r>
-              <a:rPr lang="de-DE" sz="4000" dirty="0"/>
-              <a:t>Projekt-Idee/Ziel (2)</a:t>
-            </a:r>
-          </a:p>
-        </p:txBody>
-      </p:sp>
-      <p:sp>
-        <p:nvSpPr>
-          <p:cNvPr id="6" name="Textplatzhalter 5"/>
-          <p:cNvSpPr>
-            <a:spLocks noGrp="1"/>
-          </p:cNvSpPr>
-          <p:nvPr>
-            <p:ph type="body" sz="quarter" idx="3"/>
-          </p:nvPr>
-        </p:nvSpPr>
-        <p:spPr>
-          <a:xfrm>
-            <a:off x="1593371" y="1496726"/>
-            <a:ext cx="9674313" cy="938784"/>
-          </a:xfrm>
-        </p:spPr>
-        <p:txBody>
-          <a:bodyPr rtlCol="0"/>
-          <a:lstStyle/>
-          <a:p>
-            <a:pPr rtl="0"/>
-            <a:r>
-              <a:rPr lang="de-DE" sz="3200" cap="none" dirty="0"/>
-              <a:t>Ziel</a:t>
-            </a:r>
-          </a:p>
-        </p:txBody>
-      </p:sp>
-      <p:sp>
-        <p:nvSpPr>
-          <p:cNvPr id="11" name="Inhaltsplatzhalter 10"/>
-          <p:cNvSpPr>
-            <a:spLocks noGrp="1"/>
-          </p:cNvSpPr>
-          <p:nvPr>
-            <p:ph sz="quarter" idx="4"/>
-          </p:nvPr>
-        </p:nvSpPr>
-        <p:spPr/>
-        <p:txBody>
-          <a:bodyPr rtlCol="0">
-            <a:normAutofit/>
-          </a:bodyPr>
-          <a:lstStyle/>
-          <a:p>
-            <a:pPr rtl="0"/>
-            <a:r>
-              <a:rPr lang="de-DE" sz="2800" dirty="0"/>
-              <a:t>App für </a:t>
-            </a:r>
-            <a:r>
-              <a:rPr lang="de-DE" sz="2800" dirty="0" err="1"/>
-              <a:t>Challenges</a:t>
-            </a:r>
-            <a:endParaRPr lang="de-DE" sz="2800" dirty="0"/>
-          </a:p>
-          <a:p>
-            <a:pPr rtl="0"/>
-            <a:r>
-              <a:rPr lang="de-DE" sz="2800" dirty="0" err="1"/>
-              <a:t>Challenges</a:t>
-            </a:r>
-            <a:r>
-              <a:rPr lang="de-DE" sz="2800" dirty="0"/>
-              <a:t> in Hochsprung, Weitsprung und Drehungssprung</a:t>
-            </a:r>
-          </a:p>
-          <a:p>
-            <a:pPr rtl="0"/>
-            <a:r>
-              <a:rPr lang="de-DE" sz="2800" dirty="0"/>
-              <a:t>Rangliste für alle Teilnehmer</a:t>
-            </a:r>
-          </a:p>
-        </p:txBody>
-      </p:sp>
-      <p:pic>
-        <p:nvPicPr>
-          <p:cNvPr id="7" name="Inhaltsplatzhalter 6">
-            <a:extLst>
-              <a:ext uri="{FF2B5EF4-FFF2-40B4-BE49-F238E27FC236}">
-                <a16:creationId xmlns:a16="http://schemas.microsoft.com/office/drawing/2014/main" id="{07DF13CB-E96B-4E49-8FD6-8ACD924A2F20}"/>
-              </a:ext>
-            </a:extLst>
-          </p:cNvPr>
-          <p:cNvPicPr>
-            <a:picLocks noGrp="1" noChangeAspect="1"/>
-          </p:cNvPicPr>
-          <p:nvPr>
-            <p:ph sz="half" idx="2"/>
-          </p:nvPr>
-        </p:nvPicPr>
-        <p:blipFill>
-          <a:blip r:embed="rId3"/>
-          <a:stretch>
-            <a:fillRect/>
-          </a:stretch>
-        </p:blipFill>
-        <p:spPr>
-          <a:xfrm>
-            <a:off x="1674428" y="2514600"/>
-            <a:ext cx="4733896" cy="3146648"/>
-          </a:xfrm>
-          <a:prstGeom prst="rect">
-            <a:avLst/>
-          </a:prstGeom>
-        </p:spPr>
-      </p:pic>
-      <p:sp>
-        <p:nvSpPr>
-          <p:cNvPr id="3" name="Datumsplatzhalter 2">
-            <a:extLst>
-              <a:ext uri="{FF2B5EF4-FFF2-40B4-BE49-F238E27FC236}">
-                <a16:creationId xmlns:a16="http://schemas.microsoft.com/office/drawing/2014/main" id="{62A1824B-E8DD-45F4-931E-0C8DE97B3FE5}"/>
-              </a:ext>
-            </a:extLst>
-          </p:cNvPr>
-          <p:cNvSpPr>
-            <a:spLocks noGrp="1"/>
-          </p:cNvSpPr>
-          <p:nvPr>
-            <p:ph type="dt" sz="half" idx="10"/>
-          </p:nvPr>
-        </p:nvSpPr>
-        <p:spPr/>
-        <p:txBody>
-          <a:bodyPr/>
-          <a:lstStyle/>
-          <a:p>
-            <a:pPr rtl="0"/>
-            <a:fld id="{A26D8692-EA81-49BB-B6A5-71B48D740D44}" type="datetime1">
-              <a:rPr lang="de-DE" smtClean="0"/>
-              <a:t>13.05.2018</a:t>
-            </a:fld>
-            <a:endParaRPr lang="de-DE" dirty="0"/>
-          </a:p>
-        </p:txBody>
-      </p:sp>
-      <p:sp>
-        <p:nvSpPr>
-          <p:cNvPr id="9" name="Fußzeilenplatzhalter 8">
-            <a:extLst>
-              <a:ext uri="{FF2B5EF4-FFF2-40B4-BE49-F238E27FC236}">
-                <a16:creationId xmlns:a16="http://schemas.microsoft.com/office/drawing/2014/main" id="{CCBA4D3E-CB12-4DD0-B5A2-777905F86564}"/>
-              </a:ext>
-            </a:extLst>
-          </p:cNvPr>
-          <p:cNvSpPr>
-            <a:spLocks noGrp="1"/>
-          </p:cNvSpPr>
-          <p:nvPr>
-            <p:ph type="ftr" sz="quarter" idx="11"/>
-          </p:nvPr>
-        </p:nvSpPr>
-        <p:spPr/>
-        <p:txBody>
-          <a:bodyPr/>
-          <a:lstStyle/>
-          <a:p>
-            <a:pPr rtl="0"/>
-            <a:r>
-              <a:rPr lang="de-DE"/>
-              <a:t>Präsentation 1                Web-Engineering</a:t>
-            </a:r>
-            <a:endParaRPr lang="de-DE" dirty="0"/>
-          </a:p>
-        </p:txBody>
-      </p:sp>
-      <p:sp>
-        <p:nvSpPr>
-          <p:cNvPr id="10" name="Foliennummernplatzhalter 9">
-            <a:extLst>
-              <a:ext uri="{FF2B5EF4-FFF2-40B4-BE49-F238E27FC236}">
-                <a16:creationId xmlns:a16="http://schemas.microsoft.com/office/drawing/2014/main" id="{FE2E8E9A-EA8B-447F-964A-B3BFF5F90CFA}"/>
-              </a:ext>
-            </a:extLst>
-          </p:cNvPr>
-          <p:cNvSpPr>
-            <a:spLocks noGrp="1"/>
-          </p:cNvSpPr>
-          <p:nvPr>
-            <p:ph type="sldNum" sz="quarter" idx="12"/>
-          </p:nvPr>
-        </p:nvSpPr>
-        <p:spPr/>
-        <p:txBody>
-          <a:bodyPr/>
-          <a:lstStyle/>
-          <a:p>
-            <a:pPr rtl="0"/>
-            <a:fld id="{7DC1BBB0-96F0-4077-A278-0F3FB5C104D3}" type="slidenum">
-              <a:rPr lang="de-DE" smtClean="0"/>
-              <a:t>4</a:t>
-            </a:fld>
-            <a:endParaRPr lang="de-DE" dirty="0"/>
-          </a:p>
-        </p:txBody>
-      </p:sp>
-    </p:spTree>
-    <p:extLst>
-      <p:ext uri="{BB962C8B-B14F-4D97-AF65-F5344CB8AC3E}">
-        <p14:creationId xmlns:p14="http://schemas.microsoft.com/office/powerpoint/2010/main" val="1061194279"/>
+        <p14:creationId xmlns:p14="http://schemas.microsoft.com/office/powerpoint/2010/main" val="155890928"/>
       </p:ext>
     </p:extLst>
   </p:cSld>
@@ -9858,22 +10822,27 @@
             <a:pPr rtl="0"/>
             <a:r>
               <a:rPr lang="de-DE" sz="4000" dirty="0"/>
-              <a:t>Technologien (1)</a:t>
+              <a:t>Projekt-Idee/Ziel (3)</a:t>
             </a:r>
           </a:p>
         </p:txBody>
       </p:sp>
       <p:sp>
         <p:nvSpPr>
-          <p:cNvPr id="4" name="Textplatzhalter 3"/>
-          <p:cNvSpPr>
-            <a:spLocks noGrp="1"/>
-          </p:cNvSpPr>
-          <p:nvPr>
-            <p:ph type="body" idx="1"/>
-          </p:nvPr>
-        </p:nvSpPr>
-        <p:spPr/>
+          <p:cNvPr id="6" name="Textplatzhalter 5"/>
+          <p:cNvSpPr>
+            <a:spLocks noGrp="1"/>
+          </p:cNvSpPr>
+          <p:nvPr>
+            <p:ph type="body" sz="quarter" idx="3"/>
+          </p:nvPr>
+        </p:nvSpPr>
+        <p:spPr>
+          <a:xfrm>
+            <a:off x="1593371" y="1496726"/>
+            <a:ext cx="9674313" cy="938784"/>
+          </a:xfrm>
+        </p:spPr>
         <p:txBody>
           <a:bodyPr rtlCol="0"/>
           <a:lstStyle/>
@@ -9881,27 +10850,22 @@
             <a:pPr rtl="0"/>
             <a:r>
               <a:rPr lang="de-DE" sz="3200" cap="none" dirty="0"/>
-              <a:t>Android-Studio</a:t>
+              <a:t>Ziel</a:t>
             </a:r>
           </a:p>
         </p:txBody>
       </p:sp>
       <p:sp>
         <p:nvSpPr>
-          <p:cNvPr id="5" name="Inhaltsplatzhalter 4"/>
-          <p:cNvSpPr>
-            <a:spLocks noGrp="1"/>
-          </p:cNvSpPr>
-          <p:nvPr>
-            <p:ph sz="half" idx="2"/>
-          </p:nvPr>
-        </p:nvSpPr>
-        <p:spPr>
-          <a:xfrm>
-            <a:off x="1593435" y="2708920"/>
-            <a:ext cx="9536514" cy="3463279"/>
-          </a:xfrm>
-        </p:spPr>
+          <p:cNvPr id="11" name="Inhaltsplatzhalter 10"/>
+          <p:cNvSpPr>
+            <a:spLocks noGrp="1"/>
+          </p:cNvSpPr>
+          <p:nvPr>
+            <p:ph sz="quarter" idx="4"/>
+          </p:nvPr>
+        </p:nvSpPr>
+        <p:spPr/>
         <p:txBody>
           <a:bodyPr rtlCol="0">
             <a:normAutofit/>
@@ -9911,51 +10875,49 @@
             <a:pPr rtl="0"/>
             <a:r>
               <a:rPr lang="de-DE" sz="2800" dirty="0"/>
-              <a:t>IDE für Android-Apps von Google</a:t>
+              <a:t>App für </a:t>
+            </a:r>
+            <a:r>
+              <a:rPr lang="de-DE" sz="2800" dirty="0" err="1"/>
+              <a:t>Challenges</a:t>
+            </a:r>
+            <a:endParaRPr lang="de-DE" sz="2800" dirty="0"/>
+          </a:p>
+          <a:p>
+            <a:pPr rtl="0"/>
+            <a:r>
+              <a:rPr lang="de-DE" sz="2800" dirty="0" err="1"/>
+              <a:t>Challenges</a:t>
+            </a:r>
+            <a:r>
+              <a:rPr lang="de-DE" sz="2800" dirty="0"/>
+              <a:t> in Hochsprung, Weitsprung und Drehungssprung</a:t>
             </a:r>
           </a:p>
           <a:p>
             <a:pPr rtl="0"/>
             <a:r>
               <a:rPr lang="de-DE" sz="2800" dirty="0"/>
-              <a:t>Basiert auf der </a:t>
+              <a:t>Rangliste für alle Teilnehmer</a:t>
             </a:r>
-            <a:r>
-              <a:rPr lang="de-DE" sz="2800" dirty="0" err="1"/>
-              <a:t>IntelliJ</a:t>
-            </a:r>
-            <a:r>
-              <a:rPr lang="de-DE" sz="2800" dirty="0"/>
-              <a:t> IDEA Community Edition</a:t>
-            </a:r>
-          </a:p>
-          <a:p>
-            <a:pPr rtl="0"/>
-            <a:r>
-              <a:rPr lang="de-DE" sz="2800" dirty="0"/>
-              <a:t>Seit 2015 der Ersatz für das ADT-Tool </a:t>
-            </a:r>
-            <a:r>
-              <a:rPr lang="de-DE" sz="2800" dirty="0" err="1"/>
-              <a:t>Eclipse</a:t>
-            </a:r>
-            <a:endParaRPr lang="de-DE" sz="2800" dirty="0"/>
           </a:p>
         </p:txBody>
       </p:sp>
       <p:pic>
         <p:nvPicPr>
-          <p:cNvPr id="8" name="Grafik 7">
+          <p:cNvPr id="7" name="Inhaltsplatzhalter 6">
             <a:extLst>
               <a:ext uri="{FF2B5EF4-FFF2-40B4-BE49-F238E27FC236}">
-                <a16:creationId xmlns:a16="http://schemas.microsoft.com/office/drawing/2014/main" id="{DB78940A-B6A8-4DEF-914E-ADFBE817C1DA}"/>
+                <a16:creationId xmlns:a16="http://schemas.microsoft.com/office/drawing/2014/main" id="{07DF13CB-E96B-4E49-8FD6-8ACD924A2F20}"/>
               </a:ext>
             </a:extLst>
           </p:cNvPr>
           <p:cNvPicPr>
-            <a:picLocks noChangeAspect="1"/>
+            <a:picLocks noGrp="1" noChangeAspect="1"/>
           </p:cNvPicPr>
-          <p:nvPr/>
+          <p:nvPr>
+            <p:ph sz="half" idx="2"/>
+          </p:nvPr>
         </p:nvPicPr>
         <p:blipFill>
           <a:blip r:embed="rId3"/>
@@ -9965,8 +10927,8 @@
         </p:blipFill>
         <p:spPr>
           <a:xfrm>
-            <a:off x="7678588" y="824855"/>
-            <a:ext cx="3673084" cy="1569807"/>
+            <a:off x="1674428" y="2514600"/>
+            <a:ext cx="4733896" cy="3146648"/>
           </a:xfrm>
           <a:prstGeom prst="rect">
             <a:avLst/>
@@ -9975,10 +10937,10 @@
       </p:pic>
       <p:sp>
         <p:nvSpPr>
-          <p:cNvPr id="9" name="Datumsplatzhalter 8">
+          <p:cNvPr id="3" name="Datumsplatzhalter 2">
             <a:extLst>
               <a:ext uri="{FF2B5EF4-FFF2-40B4-BE49-F238E27FC236}">
-                <a16:creationId xmlns:a16="http://schemas.microsoft.com/office/drawing/2014/main" id="{FA1321A6-5F1D-41D4-8444-9AAEFB2ABDD8}"/>
+                <a16:creationId xmlns:a16="http://schemas.microsoft.com/office/drawing/2014/main" id="{62A1824B-E8DD-45F4-931E-0C8DE97B3FE5}"/>
               </a:ext>
             </a:extLst>
           </p:cNvPr>
@@ -9995,9 +10957,9 @@
           <a:lstStyle/>
           <a:p>
             <a:pPr rtl="0"/>
-            <a:fld id="{8E1DE64C-8832-400A-AE19-04E8D7EE6DD9}" type="datetime1">
+            <a:fld id="{A26D8692-EA81-49BB-B6A5-71B48D740D44}" type="datetime1">
               <a:rPr lang="de-DE" smtClean="0"/>
-              <a:t>13.05.2018</a:t>
+              <a:t>17.05.2018</a:t>
             </a:fld>
             <a:endParaRPr lang="de-DE" dirty="0"/>
           </a:p>
@@ -10005,10 +10967,10 @@
       </p:sp>
       <p:sp>
         <p:nvSpPr>
-          <p:cNvPr id="10" name="Fußzeilenplatzhalter 9">
+          <p:cNvPr id="9" name="Fußzeilenplatzhalter 8">
             <a:extLst>
               <a:ext uri="{FF2B5EF4-FFF2-40B4-BE49-F238E27FC236}">
-                <a16:creationId xmlns:a16="http://schemas.microsoft.com/office/drawing/2014/main" id="{87F1068E-B7C3-4C04-9F84-41DF8EB39B9F}"/>
+                <a16:creationId xmlns:a16="http://schemas.microsoft.com/office/drawing/2014/main" id="{CCBA4D3E-CB12-4DD0-B5A2-777905F86564}"/>
               </a:ext>
             </a:extLst>
           </p:cNvPr>
@@ -10035,10 +10997,10 @@
       </p:sp>
       <p:sp>
         <p:nvSpPr>
-          <p:cNvPr id="12" name="Foliennummernplatzhalter 11">
+          <p:cNvPr id="10" name="Foliennummernplatzhalter 9">
             <a:extLst>
               <a:ext uri="{FF2B5EF4-FFF2-40B4-BE49-F238E27FC236}">
-                <a16:creationId xmlns:a16="http://schemas.microsoft.com/office/drawing/2014/main" id="{7DC83619-5D00-46B8-858A-20291AB4A9D6}"/>
+                <a16:creationId xmlns:a16="http://schemas.microsoft.com/office/drawing/2014/main" id="{FE2E8E9A-EA8B-447F-964A-B3BFF5F90CFA}"/>
               </a:ext>
             </a:extLst>
           </p:cNvPr>
@@ -10066,7 +11028,7 @@
     </p:spTree>
     <p:extLst>
       <p:ext uri="{BB962C8B-B14F-4D97-AF65-F5344CB8AC3E}">
-        <p14:creationId xmlns:p14="http://schemas.microsoft.com/office/powerpoint/2010/main" val="403887011"/>
+        <p14:creationId xmlns:p14="http://schemas.microsoft.com/office/powerpoint/2010/main" val="1061194279"/>
       </p:ext>
     </p:extLst>
   </p:cSld>
@@ -10125,6 +11087,273 @@
             <a:pPr rtl="0"/>
             <a:r>
               <a:rPr lang="de-DE" sz="4000" dirty="0"/>
+              <a:t>Technologien (1)</a:t>
+            </a:r>
+          </a:p>
+        </p:txBody>
+      </p:sp>
+      <p:sp>
+        <p:nvSpPr>
+          <p:cNvPr id="4" name="Textplatzhalter 3"/>
+          <p:cNvSpPr>
+            <a:spLocks noGrp="1"/>
+          </p:cNvSpPr>
+          <p:nvPr>
+            <p:ph type="body" idx="1"/>
+          </p:nvPr>
+        </p:nvSpPr>
+        <p:spPr/>
+        <p:txBody>
+          <a:bodyPr rtlCol="0"/>
+          <a:lstStyle/>
+          <a:p>
+            <a:pPr rtl="0"/>
+            <a:r>
+              <a:rPr lang="de-DE" sz="3200" cap="none" dirty="0"/>
+              <a:t>Android-Studio</a:t>
+            </a:r>
+          </a:p>
+        </p:txBody>
+      </p:sp>
+      <p:sp>
+        <p:nvSpPr>
+          <p:cNvPr id="5" name="Inhaltsplatzhalter 4"/>
+          <p:cNvSpPr>
+            <a:spLocks noGrp="1"/>
+          </p:cNvSpPr>
+          <p:nvPr>
+            <p:ph sz="half" idx="2"/>
+          </p:nvPr>
+        </p:nvSpPr>
+        <p:spPr>
+          <a:xfrm>
+            <a:off x="1593435" y="2708920"/>
+            <a:ext cx="9536514" cy="3463279"/>
+          </a:xfrm>
+        </p:spPr>
+        <p:txBody>
+          <a:bodyPr rtlCol="0">
+            <a:normAutofit/>
+          </a:bodyPr>
+          <a:lstStyle/>
+          <a:p>
+            <a:pPr rtl="0"/>
+            <a:r>
+              <a:rPr lang="de-DE" sz="2800" dirty="0"/>
+              <a:t>IDE für Android-Apps von Google</a:t>
+            </a:r>
+          </a:p>
+          <a:p>
+            <a:pPr rtl="0"/>
+            <a:r>
+              <a:rPr lang="de-DE" sz="2800" dirty="0"/>
+              <a:t>Basiert auf der </a:t>
+            </a:r>
+            <a:r>
+              <a:rPr lang="de-DE" sz="2800" dirty="0" err="1"/>
+              <a:t>IntelliJ</a:t>
+            </a:r>
+            <a:r>
+              <a:rPr lang="de-DE" sz="2800" dirty="0"/>
+              <a:t> IDEA Community Edition</a:t>
+            </a:r>
+          </a:p>
+          <a:p>
+            <a:pPr rtl="0"/>
+            <a:r>
+              <a:rPr lang="de-DE" sz="2800" dirty="0"/>
+              <a:t>Seit 2015 der Ersatz für das ADT-Tool </a:t>
+            </a:r>
+            <a:r>
+              <a:rPr lang="de-DE" sz="2800" dirty="0" err="1"/>
+              <a:t>Eclipse</a:t>
+            </a:r>
+            <a:endParaRPr lang="de-DE" sz="2800" dirty="0"/>
+          </a:p>
+        </p:txBody>
+      </p:sp>
+      <p:pic>
+        <p:nvPicPr>
+          <p:cNvPr id="8" name="Grafik 7">
+            <a:extLst>
+              <a:ext uri="{FF2B5EF4-FFF2-40B4-BE49-F238E27FC236}">
+                <a16:creationId xmlns:a16="http://schemas.microsoft.com/office/drawing/2014/main" id="{DB78940A-B6A8-4DEF-914E-ADFBE817C1DA}"/>
+              </a:ext>
+            </a:extLst>
+          </p:cNvPr>
+          <p:cNvPicPr>
+            <a:picLocks noChangeAspect="1"/>
+          </p:cNvPicPr>
+          <p:nvPr/>
+        </p:nvPicPr>
+        <p:blipFill>
+          <a:blip r:embed="rId3"/>
+          <a:stretch>
+            <a:fillRect/>
+          </a:stretch>
+        </p:blipFill>
+        <p:spPr>
+          <a:xfrm>
+            <a:off x="7678588" y="824855"/>
+            <a:ext cx="3673084" cy="1569807"/>
+          </a:xfrm>
+          <a:prstGeom prst="rect">
+            <a:avLst/>
+          </a:prstGeom>
+        </p:spPr>
+      </p:pic>
+      <p:sp>
+        <p:nvSpPr>
+          <p:cNvPr id="9" name="Datumsplatzhalter 8">
+            <a:extLst>
+              <a:ext uri="{FF2B5EF4-FFF2-40B4-BE49-F238E27FC236}">
+                <a16:creationId xmlns:a16="http://schemas.microsoft.com/office/drawing/2014/main" id="{FA1321A6-5F1D-41D4-8444-9AAEFB2ABDD8}"/>
+              </a:ext>
+            </a:extLst>
+          </p:cNvPr>
+          <p:cNvSpPr>
+            <a:spLocks noGrp="1"/>
+          </p:cNvSpPr>
+          <p:nvPr>
+            <p:ph type="dt" sz="half" idx="10"/>
+          </p:nvPr>
+        </p:nvSpPr>
+        <p:spPr/>
+        <p:txBody>
+          <a:bodyPr/>
+          <a:lstStyle/>
+          <a:p>
+            <a:pPr rtl="0"/>
+            <a:fld id="{8E1DE64C-8832-400A-AE19-04E8D7EE6DD9}" type="datetime1">
+              <a:rPr lang="de-DE" smtClean="0"/>
+              <a:t>17.05.2018</a:t>
+            </a:fld>
+            <a:endParaRPr lang="de-DE" dirty="0"/>
+          </a:p>
+        </p:txBody>
+      </p:sp>
+      <p:sp>
+        <p:nvSpPr>
+          <p:cNvPr id="10" name="Fußzeilenplatzhalter 9">
+            <a:extLst>
+              <a:ext uri="{FF2B5EF4-FFF2-40B4-BE49-F238E27FC236}">
+                <a16:creationId xmlns:a16="http://schemas.microsoft.com/office/drawing/2014/main" id="{87F1068E-B7C3-4C04-9F84-41DF8EB39B9F}"/>
+              </a:ext>
+            </a:extLst>
+          </p:cNvPr>
+          <p:cNvSpPr>
+            <a:spLocks noGrp="1"/>
+          </p:cNvSpPr>
+          <p:nvPr>
+            <p:ph type="ftr" sz="quarter" idx="11"/>
+          </p:nvPr>
+        </p:nvSpPr>
+        <p:spPr/>
+        <p:txBody>
+          <a:bodyPr/>
+          <a:lstStyle/>
+          <a:p>
+            <a:pPr rtl="0"/>
+            <a:r>
+              <a:rPr lang="de-DE"/>
+              <a:t>Präsentation 1                Web-Engineering</a:t>
+            </a:r>
+            <a:endParaRPr lang="de-DE" dirty="0"/>
+          </a:p>
+        </p:txBody>
+      </p:sp>
+      <p:sp>
+        <p:nvSpPr>
+          <p:cNvPr id="12" name="Foliennummernplatzhalter 11">
+            <a:extLst>
+              <a:ext uri="{FF2B5EF4-FFF2-40B4-BE49-F238E27FC236}">
+                <a16:creationId xmlns:a16="http://schemas.microsoft.com/office/drawing/2014/main" id="{7DC83619-5D00-46B8-858A-20291AB4A9D6}"/>
+              </a:ext>
+            </a:extLst>
+          </p:cNvPr>
+          <p:cNvSpPr>
+            <a:spLocks noGrp="1"/>
+          </p:cNvSpPr>
+          <p:nvPr>
+            <p:ph type="sldNum" sz="quarter" idx="12"/>
+          </p:nvPr>
+        </p:nvSpPr>
+        <p:spPr/>
+        <p:txBody>
+          <a:bodyPr/>
+          <a:lstStyle/>
+          <a:p>
+            <a:pPr rtl="0"/>
+            <a:fld id="{7DC1BBB0-96F0-4077-A278-0F3FB5C104D3}" type="slidenum">
+              <a:rPr lang="de-DE" smtClean="0"/>
+              <a:t>6</a:t>
+            </a:fld>
+            <a:endParaRPr lang="de-DE" dirty="0"/>
+          </a:p>
+        </p:txBody>
+      </p:sp>
+    </p:spTree>
+    <p:extLst>
+      <p:ext uri="{BB962C8B-B14F-4D97-AF65-F5344CB8AC3E}">
+        <p14:creationId xmlns:p14="http://schemas.microsoft.com/office/powerpoint/2010/main" val="403887011"/>
+      </p:ext>
+    </p:extLst>
+  </p:cSld>
+  <p:clrMapOvr>
+    <a:masterClrMapping/>
+  </p:clrMapOvr>
+  <mc:AlternateContent xmlns:mc="http://schemas.openxmlformats.org/markup-compatibility/2006" xmlns:p14="http://schemas.microsoft.com/office/powerpoint/2010/main">
+    <mc:Choice Requires="p14">
+      <p:transition spd="med" p14:dur="700">
+        <p:fade/>
+      </p:transition>
+    </mc:Choice>
+    <mc:Fallback xmlns="">
+      <p:transition spd="med">
+        <p:fade/>
+      </p:transition>
+    </mc:Fallback>
+  </mc:AlternateContent>
+</p:sld>
+</file>
+
+<file path=ppt/slides/slide7.xml><?xml version="1.0" encoding="utf-8"?>
+<p:sld xmlns:a="http://schemas.openxmlformats.org/drawingml/2006/main" xmlns:r="http://schemas.openxmlformats.org/officeDocument/2006/relationships" xmlns:p="http://schemas.openxmlformats.org/presentationml/2006/main">
+  <p:cSld>
+    <p:spTree>
+      <p:nvGrpSpPr>
+        <p:cNvPr id="1" name=""/>
+        <p:cNvGrpSpPr/>
+        <p:nvPr/>
+      </p:nvGrpSpPr>
+      <p:grpSpPr>
+        <a:xfrm>
+          <a:off x="0" y="0"/>
+          <a:ext cx="0" cy="0"/>
+          <a:chOff x="0" y="0"/>
+          <a:chExt cx="0" cy="0"/>
+        </a:xfrm>
+      </p:grpSpPr>
+      <p:sp>
+        <p:nvSpPr>
+          <p:cNvPr id="2" name="Titel 1"/>
+          <p:cNvSpPr>
+            <a:spLocks noGrp="1"/>
+          </p:cNvSpPr>
+          <p:nvPr>
+            <p:ph type="title"/>
+          </p:nvPr>
+        </p:nvSpPr>
+        <p:spPr/>
+        <p:txBody>
+          <a:bodyPr rtlCol="0">
+            <a:normAutofit/>
+          </a:bodyPr>
+          <a:lstStyle/>
+          <a:p>
+            <a:pPr rtl="0"/>
+            <a:r>
+              <a:rPr lang="de-DE" sz="4000" dirty="0"/>
               <a:t>Technologien (2)</a:t>
             </a:r>
           </a:p>
@@ -10253,7 +11482,7 @@
             <a:pPr rtl="0"/>
             <a:fld id="{F9B77044-48FF-4095-BC57-A773A8643B67}" type="datetime1">
               <a:rPr lang="de-DE" smtClean="0"/>
-              <a:t>13.05.2018</a:t>
+              <a:t>17.05.2018</a:t>
             </a:fld>
             <a:endParaRPr lang="de-DE" dirty="0"/>
           </a:p>
@@ -10313,7 +11542,7 @@
             <a:pPr rtl="0"/>
             <a:fld id="{7DC1BBB0-96F0-4077-A278-0F3FB5C104D3}" type="slidenum">
               <a:rPr lang="de-DE" smtClean="0"/>
-              <a:t>6</a:t>
+              <a:t>7</a:t>
             </a:fld>
             <a:endParaRPr lang="de-DE" dirty="0"/>
           </a:p>
@@ -10344,7 +11573,7 @@
 </p:sld>
 </file>
 
-<file path=ppt/slides/slide7.xml><?xml version="1.0" encoding="utf-8"?>
+<file path=ppt/slides/slide8.xml><?xml version="1.0" encoding="utf-8"?>
 <p:sld xmlns:a="http://schemas.openxmlformats.org/drawingml/2006/main" xmlns:r="http://schemas.openxmlformats.org/officeDocument/2006/relationships" xmlns:p="http://schemas.openxmlformats.org/presentationml/2006/main">
   <p:cSld>
     <p:spTree>
@@ -10614,7 +11843,7 @@
             <a:pPr rtl="0"/>
             <a:fld id="{E9C2988A-6225-46E0-B375-16DB18AE8FC5}" type="datetime1">
               <a:rPr lang="de-DE" smtClean="0"/>
-              <a:t>13.05.2018</a:t>
+              <a:t>17.05.2018</a:t>
             </a:fld>
             <a:endParaRPr lang="de-DE" dirty="0"/>
           </a:p>
@@ -10674,7 +11903,7 @@
             <a:pPr rtl="0"/>
             <a:fld id="{7DC1BBB0-96F0-4077-A278-0F3FB5C104D3}" type="slidenum">
               <a:rPr lang="de-DE" smtClean="0"/>
-              <a:t>7</a:t>
+              <a:t>8</a:t>
             </a:fld>
             <a:endParaRPr lang="de-DE" dirty="0"/>
           </a:p>
@@ -10705,7 +11934,7 @@
 </p:sld>
 </file>
 
-<file path=ppt/slides/slide8.xml><?xml version="1.0" encoding="utf-8"?>
+<file path=ppt/slides/slide9.xml><?xml version="1.0" encoding="utf-8"?>
 <p:sld xmlns:a="http://schemas.openxmlformats.org/drawingml/2006/main" xmlns:r="http://schemas.openxmlformats.org/officeDocument/2006/relationships" xmlns:p="http://schemas.openxmlformats.org/presentationml/2006/main">
   <p:cSld>
     <p:spTree>
@@ -10995,7 +12224,7 @@
             <a:pPr rtl="0"/>
             <a:fld id="{48B29D3C-8A68-4DE9-BC4E-C3747EE08188}" type="datetime1">
               <a:rPr lang="de-DE" smtClean="0"/>
-              <a:t>13.05.2018</a:t>
+              <a:t>17.05.2018</a:t>
             </a:fld>
             <a:endParaRPr lang="de-DE" dirty="0"/>
           </a:p>
@@ -11055,7 +12284,7 @@
             <a:pPr rtl="0"/>
             <a:fld id="{7DC1BBB0-96F0-4077-A278-0F3FB5C104D3}" type="slidenum">
               <a:rPr lang="de-DE" smtClean="0"/>
-              <a:t>8</a:t>
+              <a:t>9</a:t>
             </a:fld>
             <a:endParaRPr lang="de-DE" dirty="0"/>
           </a:p>
@@ -11262,205 +12491,6 @@
       <p:bldP spid="19" grpId="0" animBg="1"/>
     </p:bldLst>
   </p:timing>
-</p:sld>
-</file>
-
-<file path=ppt/slides/slide9.xml><?xml version="1.0" encoding="utf-8"?>
-<p:sld xmlns:a="http://schemas.openxmlformats.org/drawingml/2006/main" xmlns:r="http://schemas.openxmlformats.org/officeDocument/2006/relationships" xmlns:p="http://schemas.openxmlformats.org/presentationml/2006/main">
-  <p:cSld>
-    <p:spTree>
-      <p:nvGrpSpPr>
-        <p:cNvPr id="1" name=""/>
-        <p:cNvGrpSpPr/>
-        <p:nvPr/>
-      </p:nvGrpSpPr>
-      <p:grpSpPr>
-        <a:xfrm>
-          <a:off x="0" y="0"/>
-          <a:ext cx="0" cy="0"/>
-          <a:chOff x="0" y="0"/>
-          <a:chExt cx="0" cy="0"/>
-        </a:xfrm>
-      </p:grpSpPr>
-      <p:sp>
-        <p:nvSpPr>
-          <p:cNvPr id="13" name="Titel 12"/>
-          <p:cNvSpPr>
-            <a:spLocks noGrp="1"/>
-          </p:cNvSpPr>
-          <p:nvPr>
-            <p:ph type="title"/>
-          </p:nvPr>
-        </p:nvSpPr>
-        <p:spPr/>
-        <p:txBody>
-          <a:bodyPr rtlCol="0">
-            <a:normAutofit/>
-          </a:bodyPr>
-          <a:lstStyle/>
-          <a:p>
-            <a:pPr rtl="0"/>
-            <a:r>
-              <a:rPr lang="de-DE" sz="4000" dirty="0"/>
-              <a:t>Ausblick</a:t>
-            </a:r>
-          </a:p>
-        </p:txBody>
-      </p:sp>
-      <p:sp>
-        <p:nvSpPr>
-          <p:cNvPr id="14" name="Inhaltsplatzhalter 13"/>
-          <p:cNvSpPr>
-            <a:spLocks noGrp="1"/>
-          </p:cNvSpPr>
-          <p:nvPr>
-            <p:ph idx="1"/>
-          </p:nvPr>
-        </p:nvSpPr>
-        <p:spPr/>
-        <p:txBody>
-          <a:bodyPr rtlCol="0">
-            <a:normAutofit/>
-          </a:bodyPr>
-          <a:lstStyle/>
-          <a:p>
-            <a:pPr rtl="0"/>
-            <a:r>
-              <a:rPr lang="de-DE" sz="3200" dirty="0"/>
-              <a:t>Funktionalitäten implementieren</a:t>
-            </a:r>
-          </a:p>
-          <a:p>
-            <a:pPr rtl="0"/>
-            <a:r>
-              <a:rPr lang="de-DE" sz="3200" dirty="0"/>
-              <a:t>Entwicklung einer Datenbank- /Serveranbindung zur Verwaltung der Rankingdaten (Amazon AWS s3? Cassandra?)</a:t>
-            </a:r>
-          </a:p>
-          <a:p>
-            <a:r>
-              <a:rPr lang="de-DE" sz="3200" dirty="0"/>
-              <a:t>Berechnungen sind schwierig und etwas ungenau</a:t>
-            </a:r>
-          </a:p>
-          <a:p>
-            <a:pPr rtl="0"/>
-            <a:endParaRPr lang="de-DE" sz="3200" dirty="0"/>
-          </a:p>
-        </p:txBody>
-      </p:sp>
-      <p:sp>
-        <p:nvSpPr>
-          <p:cNvPr id="2" name="Datumsplatzhalter 1">
-            <a:extLst>
-              <a:ext uri="{FF2B5EF4-FFF2-40B4-BE49-F238E27FC236}">
-                <a16:creationId xmlns:a16="http://schemas.microsoft.com/office/drawing/2014/main" id="{0D47D8D1-78B1-4B22-A244-CF39A052D19A}"/>
-              </a:ext>
-            </a:extLst>
-          </p:cNvPr>
-          <p:cNvSpPr>
-            <a:spLocks noGrp="1"/>
-          </p:cNvSpPr>
-          <p:nvPr>
-            <p:ph type="dt" sz="half" idx="10"/>
-          </p:nvPr>
-        </p:nvSpPr>
-        <p:spPr/>
-        <p:txBody>
-          <a:bodyPr/>
-          <a:lstStyle/>
-          <a:p>
-            <a:pPr rtl="0"/>
-            <a:fld id="{D15F71AD-4475-4056-AE63-985A25DEE686}" type="datetime1">
-              <a:rPr lang="de-DE" smtClean="0"/>
-              <a:t>13.05.2018</a:t>
-            </a:fld>
-            <a:endParaRPr lang="de-DE" dirty="0"/>
-          </a:p>
-        </p:txBody>
-      </p:sp>
-      <p:sp>
-        <p:nvSpPr>
-          <p:cNvPr id="3" name="Fußzeilenplatzhalter 2">
-            <a:extLst>
-              <a:ext uri="{FF2B5EF4-FFF2-40B4-BE49-F238E27FC236}">
-                <a16:creationId xmlns:a16="http://schemas.microsoft.com/office/drawing/2014/main" id="{8C0609FF-7A4F-4F4A-B788-A2716FC8AD40}"/>
-              </a:ext>
-            </a:extLst>
-          </p:cNvPr>
-          <p:cNvSpPr>
-            <a:spLocks noGrp="1"/>
-          </p:cNvSpPr>
-          <p:nvPr>
-            <p:ph type="ftr" sz="quarter" idx="11"/>
-          </p:nvPr>
-        </p:nvSpPr>
-        <p:spPr/>
-        <p:txBody>
-          <a:bodyPr/>
-          <a:lstStyle/>
-          <a:p>
-            <a:pPr rtl="0"/>
-            <a:r>
-              <a:rPr lang="de-DE"/>
-              <a:t>Präsentation 1                Web-Engineering</a:t>
-            </a:r>
-            <a:endParaRPr lang="de-DE" dirty="0"/>
-          </a:p>
-        </p:txBody>
-      </p:sp>
-      <p:sp>
-        <p:nvSpPr>
-          <p:cNvPr id="4" name="Foliennummernplatzhalter 3">
-            <a:extLst>
-              <a:ext uri="{FF2B5EF4-FFF2-40B4-BE49-F238E27FC236}">
-                <a16:creationId xmlns:a16="http://schemas.microsoft.com/office/drawing/2014/main" id="{E49686E0-CA64-4EBC-B26E-6BAB06D9338A}"/>
-              </a:ext>
-            </a:extLst>
-          </p:cNvPr>
-          <p:cNvSpPr>
-            <a:spLocks noGrp="1"/>
-          </p:cNvSpPr>
-          <p:nvPr>
-            <p:ph type="sldNum" sz="quarter" idx="12"/>
-          </p:nvPr>
-        </p:nvSpPr>
-        <p:spPr/>
-        <p:txBody>
-          <a:bodyPr/>
-          <a:lstStyle/>
-          <a:p>
-            <a:pPr rtl="0"/>
-            <a:fld id="{7DC1BBB0-96F0-4077-A278-0F3FB5C104D3}" type="slidenum">
-              <a:rPr lang="de-DE" smtClean="0"/>
-              <a:t>9</a:t>
-            </a:fld>
-            <a:endParaRPr lang="de-DE" dirty="0"/>
-          </a:p>
-        </p:txBody>
-      </p:sp>
-    </p:spTree>
-    <p:extLst>
-      <p:ext uri="{BB962C8B-B14F-4D97-AF65-F5344CB8AC3E}">
-        <p14:creationId xmlns:p14="http://schemas.microsoft.com/office/powerpoint/2010/main" val="3464196621"/>
-      </p:ext>
-    </p:extLst>
-  </p:cSld>
-  <p:clrMapOvr>
-    <a:masterClrMapping/>
-  </p:clrMapOvr>
-  <mc:AlternateContent xmlns:mc="http://schemas.openxmlformats.org/markup-compatibility/2006" xmlns:p14="http://schemas.microsoft.com/office/powerpoint/2010/main">
-    <mc:Choice Requires="p14">
-      <p:transition spd="med" p14:dur="700">
-        <p:fade/>
-      </p:transition>
-    </mc:Choice>
-    <mc:Fallback xmlns="">
-      <p:transition spd="med">
-        <p:fade/>
-      </p:transition>
-    </mc:Fallback>
-  </mc:AlternateContent>
 </p:sld>
 </file>
 
